--- a/Lessons/Lesson 3/Arrays.pptx
+++ b/Lessons/Lesson 3/Arrays.pptx
@@ -3992,11 +3992,14 @@
           <a:lstStyle/>
           <a:p>
             <a:r>
-              <a:rPr lang="en-US" dirty="0">
+              <a:rPr lang="en-US">
                 <a:latin typeface="+mj-lt"/>
               </a:rPr>
-              <a:t>Title</a:t>
-            </a:r>
+              <a:t>Titles</a:t>
+            </a:r>
+            <a:endParaRPr lang="en-US" dirty="0">
+              <a:latin typeface="+mj-lt"/>
+            </a:endParaRPr>
           </a:p>
         </p:txBody>
       </p:sp>
@@ -4252,7 +4255,7 @@
           <a:p>
             <a:r>
               <a:rPr lang="en-US" dirty="0">
-                <a:latin typeface="+mn-lt"/>
+                <a:latin typeface="+mj-lt"/>
               </a:rPr>
               <a:t>Summary</a:t>
             </a:r>

--- a/Lessons/Lesson 3/Arrays.pptx
+++ b/Lessons/Lesson 3/Arrays.pptx
@@ -8,7 +8,22 @@
     <p:sldId id="284" r:id="rId2"/>
     <p:sldId id="279" r:id="rId3"/>
     <p:sldId id="287" r:id="rId4"/>
-    <p:sldId id="288" r:id="rId5"/>
+    <p:sldId id="290" r:id="rId5"/>
+    <p:sldId id="291" r:id="rId6"/>
+    <p:sldId id="293" r:id="rId7"/>
+    <p:sldId id="292" r:id="rId8"/>
+    <p:sldId id="294" r:id="rId9"/>
+    <p:sldId id="295" r:id="rId10"/>
+    <p:sldId id="296" r:id="rId11"/>
+    <p:sldId id="297" r:id="rId12"/>
+    <p:sldId id="298" r:id="rId13"/>
+    <p:sldId id="299" r:id="rId14"/>
+    <p:sldId id="301" r:id="rId15"/>
+    <p:sldId id="303" r:id="rId16"/>
+    <p:sldId id="304" r:id="rId17"/>
+    <p:sldId id="305" r:id="rId18"/>
+    <p:sldId id="307" r:id="rId19"/>
+    <p:sldId id="288" r:id="rId20"/>
   </p:sldIdLst>
   <p:sldSz cx="12192000" cy="6858000"/>
   <p:notesSz cx="6858000" cy="9144000"/>
@@ -264,7 +279,7 @@
           <a:p>
             <a:fld id="{84F85FDE-986E-4551-989E-09F8C4D6AE8F}" type="datetimeFigureOut">
               <a:rPr lang="en-US" smtClean="0"/>
-              <a:t>10/20/2019</a:t>
+              <a:t>10/30/2019</a:t>
             </a:fld>
             <a:endParaRPr lang="en-US"/>
           </a:p>
@@ -464,7 +479,7 @@
           <a:p>
             <a:fld id="{84F85FDE-986E-4551-989E-09F8C4D6AE8F}" type="datetimeFigureOut">
               <a:rPr lang="en-US" smtClean="0"/>
-              <a:t>10/20/2019</a:t>
+              <a:t>10/30/2019</a:t>
             </a:fld>
             <a:endParaRPr lang="en-US"/>
           </a:p>
@@ -674,7 +689,7 @@
           <a:p>
             <a:fld id="{84F85FDE-986E-4551-989E-09F8C4D6AE8F}" type="datetimeFigureOut">
               <a:rPr lang="en-US" smtClean="0"/>
-              <a:t>10/20/2019</a:t>
+              <a:t>10/30/2019</a:t>
             </a:fld>
             <a:endParaRPr lang="en-US"/>
           </a:p>
@@ -1036,7 +1051,7 @@
           <a:p>
             <a:fld id="{84F85FDE-986E-4551-989E-09F8C4D6AE8F}" type="datetimeFigureOut">
               <a:rPr lang="en-US" smtClean="0"/>
-              <a:t>10/20/2019</a:t>
+              <a:t>10/30/2019</a:t>
             </a:fld>
             <a:endParaRPr lang="en-US"/>
           </a:p>
@@ -1312,7 +1327,7 @@
           <a:p>
             <a:fld id="{84F85FDE-986E-4551-989E-09F8C4D6AE8F}" type="datetimeFigureOut">
               <a:rPr lang="en-US" smtClean="0"/>
-              <a:t>10/20/2019</a:t>
+              <a:t>10/30/2019</a:t>
             </a:fld>
             <a:endParaRPr lang="en-US"/>
           </a:p>
@@ -1580,7 +1595,7 @@
           <a:p>
             <a:fld id="{84F85FDE-986E-4551-989E-09F8C4D6AE8F}" type="datetimeFigureOut">
               <a:rPr lang="en-US" smtClean="0"/>
-              <a:t>10/20/2019</a:t>
+              <a:t>10/30/2019</a:t>
             </a:fld>
             <a:endParaRPr lang="en-US"/>
           </a:p>
@@ -1995,7 +2010,7 @@
           <a:p>
             <a:fld id="{84F85FDE-986E-4551-989E-09F8C4D6AE8F}" type="datetimeFigureOut">
               <a:rPr lang="en-US" smtClean="0"/>
-              <a:t>10/20/2019</a:t>
+              <a:t>10/30/2019</a:t>
             </a:fld>
             <a:endParaRPr lang="en-US"/>
           </a:p>
@@ -2137,7 +2152,7 @@
           <a:p>
             <a:fld id="{84F85FDE-986E-4551-989E-09F8C4D6AE8F}" type="datetimeFigureOut">
               <a:rPr lang="en-US" smtClean="0"/>
-              <a:t>10/20/2019</a:t>
+              <a:t>10/30/2019</a:t>
             </a:fld>
             <a:endParaRPr lang="en-US"/>
           </a:p>
@@ -2250,7 +2265,7 @@
           <a:p>
             <a:fld id="{84F85FDE-986E-4551-989E-09F8C4D6AE8F}" type="datetimeFigureOut">
               <a:rPr lang="en-US" smtClean="0"/>
-              <a:t>10/20/2019</a:t>
+              <a:t>10/30/2019</a:t>
             </a:fld>
             <a:endParaRPr lang="en-US"/>
           </a:p>
@@ -2563,7 +2578,7 @@
           <a:p>
             <a:fld id="{84F85FDE-986E-4551-989E-09F8C4D6AE8F}" type="datetimeFigureOut">
               <a:rPr lang="en-US" smtClean="0"/>
-              <a:t>10/20/2019</a:t>
+              <a:t>10/30/2019</a:t>
             </a:fld>
             <a:endParaRPr lang="en-US"/>
           </a:p>
@@ -2852,7 +2867,7 @@
           <a:p>
             <a:fld id="{84F85FDE-986E-4551-989E-09F8C4D6AE8F}" type="datetimeFigureOut">
               <a:rPr lang="en-US" smtClean="0"/>
-              <a:t>10/20/2019</a:t>
+              <a:t>10/30/2019</a:t>
             </a:fld>
             <a:endParaRPr lang="en-US"/>
           </a:p>
@@ -3095,7 +3110,7 @@
           <a:p>
             <a:fld id="{84F85FDE-986E-4551-989E-09F8C4D6AE8F}" type="datetimeFigureOut">
               <a:rPr lang="en-US" smtClean="0"/>
-              <a:t>10/20/2019</a:t>
+              <a:t>10/30/2019</a:t>
             </a:fld>
             <a:endParaRPr lang="en-US"/>
           </a:p>
@@ -3629,7 +3644,1250 @@
 </p:sld>
 </file>
 
-<file path=ppt/slides/slide2.xml><?xml version="1.0" encoding="utf-8"?>
+<file path=ppt/slides/slide10.xml><?xml version="1.0" encoding="utf-8"?>
+<p:sld xmlns:a="http://schemas.openxmlformats.org/drawingml/2006/main" xmlns:r="http://schemas.openxmlformats.org/officeDocument/2006/relationships" xmlns:p="http://schemas.openxmlformats.org/presentationml/2006/main">
+  <p:cSld>
+    <p:spTree>
+      <p:nvGrpSpPr>
+        <p:cNvPr id="1" name=""/>
+        <p:cNvGrpSpPr/>
+        <p:nvPr/>
+      </p:nvGrpSpPr>
+      <p:grpSpPr>
+        <a:xfrm>
+          <a:off x="0" y="0"/>
+          <a:ext cx="0" cy="0"/>
+          <a:chOff x="0" y="0"/>
+          <a:chExt cx="0" cy="0"/>
+        </a:xfrm>
+      </p:grpSpPr>
+      <p:sp>
+        <p:nvSpPr>
+          <p:cNvPr id="5" name="Titel 1">
+            <a:extLst>
+              <a:ext uri="{FF2B5EF4-FFF2-40B4-BE49-F238E27FC236}">
+                <a16:creationId xmlns:a16="http://schemas.microsoft.com/office/drawing/2014/main" id="{B64AA3E8-18E7-4C85-B5CB-094DACD16681}"/>
+              </a:ext>
+            </a:extLst>
+          </p:cNvPr>
+          <p:cNvSpPr>
+            <a:spLocks noGrp="1"/>
+          </p:cNvSpPr>
+          <p:nvPr>
+            <p:ph type="title"/>
+          </p:nvPr>
+        </p:nvSpPr>
+        <p:spPr>
+          <a:xfrm>
+            <a:off x="838200" y="365125"/>
+            <a:ext cx="10515600" cy="1325563"/>
+          </a:xfrm>
+        </p:spPr>
+        <p:txBody>
+          <a:bodyPr/>
+          <a:lstStyle/>
+          <a:p>
+            <a:r>
+              <a:rPr lang="en-US" dirty="0">
+                <a:latin typeface="+mj-lt"/>
+              </a:rPr>
+              <a:t>Example</a:t>
+            </a:r>
+          </a:p>
+        </p:txBody>
+      </p:sp>
+      <p:pic>
+        <p:nvPicPr>
+          <p:cNvPr id="6" name="Afbeelding 5">
+            <a:extLst>
+              <a:ext uri="{FF2B5EF4-FFF2-40B4-BE49-F238E27FC236}">
+                <a16:creationId xmlns:a16="http://schemas.microsoft.com/office/drawing/2014/main" id="{5BF42CBC-2C20-42A7-BF26-B4B9CDE1012D}"/>
+              </a:ext>
+            </a:extLst>
+          </p:cNvPr>
+          <p:cNvPicPr>
+            <a:picLocks noChangeAspect="1"/>
+          </p:cNvPicPr>
+          <p:nvPr/>
+        </p:nvPicPr>
+        <p:blipFill>
+          <a:blip r:embed="rId2"/>
+          <a:stretch>
+            <a:fillRect/>
+          </a:stretch>
+        </p:blipFill>
+        <p:spPr>
+          <a:xfrm>
+            <a:off x="2576512" y="1930259"/>
+            <a:ext cx="7038975" cy="2219325"/>
+          </a:xfrm>
+          <a:prstGeom prst="rect">
+            <a:avLst/>
+          </a:prstGeom>
+        </p:spPr>
+      </p:pic>
+      <p:sp>
+        <p:nvSpPr>
+          <p:cNvPr id="7" name="Rechthoek 6">
+            <a:extLst>
+              <a:ext uri="{FF2B5EF4-FFF2-40B4-BE49-F238E27FC236}">
+                <a16:creationId xmlns:a16="http://schemas.microsoft.com/office/drawing/2014/main" id="{C36D0C71-DB7B-4269-9FD3-B1C6EBC8BF26}"/>
+              </a:ext>
+            </a:extLst>
+          </p:cNvPr>
+          <p:cNvSpPr/>
+          <p:nvPr/>
+        </p:nvSpPr>
+        <p:spPr>
+          <a:xfrm>
+            <a:off x="3544755" y="4389155"/>
+            <a:ext cx="5102487" cy="523220"/>
+          </a:xfrm>
+          <a:prstGeom prst="rect">
+            <a:avLst/>
+          </a:prstGeom>
+        </p:spPr>
+        <p:txBody>
+          <a:bodyPr wrap="none">
+            <a:spAutoFit/>
+          </a:bodyPr>
+          <a:lstStyle/>
+          <a:p>
+            <a:r>
+              <a:rPr lang="en-US" sz="2800" dirty="0"/>
+              <a:t>What will happen if we print this?</a:t>
+            </a:r>
+          </a:p>
+        </p:txBody>
+      </p:sp>
+    </p:spTree>
+    <p:extLst>
+      <p:ext uri="{BB962C8B-B14F-4D97-AF65-F5344CB8AC3E}">
+        <p14:creationId xmlns:p14="http://schemas.microsoft.com/office/powerpoint/2010/main" val="1507715344"/>
+      </p:ext>
+    </p:extLst>
+  </p:cSld>
+  <p:clrMapOvr>
+    <a:masterClrMapping/>
+  </p:clrMapOvr>
+</p:sld>
+</file>
+
+<file path=ppt/slides/slide11.xml><?xml version="1.0" encoding="utf-8"?>
+<p:sld xmlns:a="http://schemas.openxmlformats.org/drawingml/2006/main" xmlns:r="http://schemas.openxmlformats.org/officeDocument/2006/relationships" xmlns:p="http://schemas.openxmlformats.org/presentationml/2006/main">
+  <p:cSld>
+    <p:spTree>
+      <p:nvGrpSpPr>
+        <p:cNvPr id="1" name=""/>
+        <p:cNvGrpSpPr/>
+        <p:nvPr/>
+      </p:nvGrpSpPr>
+      <p:grpSpPr>
+        <a:xfrm>
+          <a:off x="0" y="0"/>
+          <a:ext cx="0" cy="0"/>
+          <a:chOff x="0" y="0"/>
+          <a:chExt cx="0" cy="0"/>
+        </a:xfrm>
+      </p:grpSpPr>
+      <p:sp>
+        <p:nvSpPr>
+          <p:cNvPr id="5" name="Titel 1">
+            <a:extLst>
+              <a:ext uri="{FF2B5EF4-FFF2-40B4-BE49-F238E27FC236}">
+                <a16:creationId xmlns:a16="http://schemas.microsoft.com/office/drawing/2014/main" id="{B64AA3E8-18E7-4C85-B5CB-094DACD16681}"/>
+              </a:ext>
+            </a:extLst>
+          </p:cNvPr>
+          <p:cNvSpPr>
+            <a:spLocks noGrp="1"/>
+          </p:cNvSpPr>
+          <p:nvPr>
+            <p:ph type="title"/>
+          </p:nvPr>
+        </p:nvSpPr>
+        <p:spPr>
+          <a:xfrm>
+            <a:off x="838200" y="365125"/>
+            <a:ext cx="10515600" cy="1325563"/>
+          </a:xfrm>
+        </p:spPr>
+        <p:txBody>
+          <a:bodyPr/>
+          <a:lstStyle/>
+          <a:p>
+            <a:r>
+              <a:rPr lang="en-US" dirty="0">
+                <a:latin typeface="+mj-lt"/>
+              </a:rPr>
+              <a:t>Example</a:t>
+            </a:r>
+          </a:p>
+        </p:txBody>
+      </p:sp>
+      <p:pic>
+        <p:nvPicPr>
+          <p:cNvPr id="6" name="Afbeelding 5">
+            <a:extLst>
+              <a:ext uri="{FF2B5EF4-FFF2-40B4-BE49-F238E27FC236}">
+                <a16:creationId xmlns:a16="http://schemas.microsoft.com/office/drawing/2014/main" id="{5BF42CBC-2C20-42A7-BF26-B4B9CDE1012D}"/>
+              </a:ext>
+            </a:extLst>
+          </p:cNvPr>
+          <p:cNvPicPr>
+            <a:picLocks noChangeAspect="1"/>
+          </p:cNvPicPr>
+          <p:nvPr/>
+        </p:nvPicPr>
+        <p:blipFill>
+          <a:blip r:embed="rId2"/>
+          <a:stretch>
+            <a:fillRect/>
+          </a:stretch>
+        </p:blipFill>
+        <p:spPr>
+          <a:xfrm>
+            <a:off x="2576512" y="1930259"/>
+            <a:ext cx="7038975" cy="2219325"/>
+          </a:xfrm>
+          <a:prstGeom prst="rect">
+            <a:avLst/>
+          </a:prstGeom>
+        </p:spPr>
+      </p:pic>
+      <p:pic>
+        <p:nvPicPr>
+          <p:cNvPr id="2" name="Afbeelding 1">
+            <a:extLst>
+              <a:ext uri="{FF2B5EF4-FFF2-40B4-BE49-F238E27FC236}">
+                <a16:creationId xmlns:a16="http://schemas.microsoft.com/office/drawing/2014/main" id="{398F843E-CDAB-48FE-ACF5-40EFB099FB3D}"/>
+              </a:ext>
+            </a:extLst>
+          </p:cNvPr>
+          <p:cNvPicPr>
+            <a:picLocks noChangeAspect="1"/>
+          </p:cNvPicPr>
+          <p:nvPr/>
+        </p:nvPicPr>
+        <p:blipFill>
+          <a:blip r:embed="rId3"/>
+          <a:stretch>
+            <a:fillRect/>
+          </a:stretch>
+        </p:blipFill>
+        <p:spPr>
+          <a:xfrm>
+            <a:off x="2576512" y="4389155"/>
+            <a:ext cx="7529804" cy="2016582"/>
+          </a:xfrm>
+          <a:prstGeom prst="rect">
+            <a:avLst/>
+          </a:prstGeom>
+        </p:spPr>
+      </p:pic>
+    </p:spTree>
+    <p:extLst>
+      <p:ext uri="{BB962C8B-B14F-4D97-AF65-F5344CB8AC3E}">
+        <p14:creationId xmlns:p14="http://schemas.microsoft.com/office/powerpoint/2010/main" val="3775740063"/>
+      </p:ext>
+    </p:extLst>
+  </p:cSld>
+  <p:clrMapOvr>
+    <a:masterClrMapping/>
+  </p:clrMapOvr>
+</p:sld>
+</file>
+
+<file path=ppt/slides/slide12.xml><?xml version="1.0" encoding="utf-8"?>
+<p:sld xmlns:a="http://schemas.openxmlformats.org/drawingml/2006/main" xmlns:r="http://schemas.openxmlformats.org/officeDocument/2006/relationships" xmlns:p="http://schemas.openxmlformats.org/presentationml/2006/main">
+  <p:cSld>
+    <p:spTree>
+      <p:nvGrpSpPr>
+        <p:cNvPr id="1" name=""/>
+        <p:cNvGrpSpPr/>
+        <p:nvPr/>
+      </p:nvGrpSpPr>
+      <p:grpSpPr>
+        <a:xfrm>
+          <a:off x="0" y="0"/>
+          <a:ext cx="0" cy="0"/>
+          <a:chOff x="0" y="0"/>
+          <a:chExt cx="0" cy="0"/>
+        </a:xfrm>
+      </p:grpSpPr>
+      <p:sp>
+        <p:nvSpPr>
+          <p:cNvPr id="5" name="Titel 1">
+            <a:extLst>
+              <a:ext uri="{FF2B5EF4-FFF2-40B4-BE49-F238E27FC236}">
+                <a16:creationId xmlns:a16="http://schemas.microsoft.com/office/drawing/2014/main" id="{B64AA3E8-18E7-4C85-B5CB-094DACD16681}"/>
+              </a:ext>
+            </a:extLst>
+          </p:cNvPr>
+          <p:cNvSpPr>
+            <a:spLocks noGrp="1"/>
+          </p:cNvSpPr>
+          <p:nvPr>
+            <p:ph type="title"/>
+          </p:nvPr>
+        </p:nvSpPr>
+        <p:spPr>
+          <a:xfrm>
+            <a:off x="838200" y="365125"/>
+            <a:ext cx="10515600" cy="1325563"/>
+          </a:xfrm>
+        </p:spPr>
+        <p:txBody>
+          <a:bodyPr/>
+          <a:lstStyle/>
+          <a:p>
+            <a:r>
+              <a:rPr lang="en-US" dirty="0">
+                <a:latin typeface="+mj-lt"/>
+              </a:rPr>
+              <a:t>Example</a:t>
+            </a:r>
+          </a:p>
+        </p:txBody>
+      </p:sp>
+      <p:pic>
+        <p:nvPicPr>
+          <p:cNvPr id="3" name="Afbeelding 2">
+            <a:extLst>
+              <a:ext uri="{FF2B5EF4-FFF2-40B4-BE49-F238E27FC236}">
+                <a16:creationId xmlns:a16="http://schemas.microsoft.com/office/drawing/2014/main" id="{F35BA052-2453-4762-96A9-03DB4DB3BF45}"/>
+              </a:ext>
+            </a:extLst>
+          </p:cNvPr>
+          <p:cNvPicPr>
+            <a:picLocks noChangeAspect="1"/>
+          </p:cNvPicPr>
+          <p:nvPr/>
+        </p:nvPicPr>
+        <p:blipFill>
+          <a:blip r:embed="rId2"/>
+          <a:stretch>
+            <a:fillRect/>
+          </a:stretch>
+        </p:blipFill>
+        <p:spPr>
+          <a:xfrm>
+            <a:off x="1428750" y="2057123"/>
+            <a:ext cx="9334500" cy="2228850"/>
+          </a:xfrm>
+          <a:prstGeom prst="rect">
+            <a:avLst/>
+          </a:prstGeom>
+        </p:spPr>
+      </p:pic>
+      <p:sp>
+        <p:nvSpPr>
+          <p:cNvPr id="7" name="Rechthoek 6">
+            <a:extLst>
+              <a:ext uri="{FF2B5EF4-FFF2-40B4-BE49-F238E27FC236}">
+                <a16:creationId xmlns:a16="http://schemas.microsoft.com/office/drawing/2014/main" id="{B6A63F3A-64A5-4A7D-B2FC-353D1FBEA6B3}"/>
+              </a:ext>
+            </a:extLst>
+          </p:cNvPr>
+          <p:cNvSpPr/>
+          <p:nvPr/>
+        </p:nvSpPr>
+        <p:spPr>
+          <a:xfrm>
+            <a:off x="3544755" y="4389155"/>
+            <a:ext cx="5102487" cy="523220"/>
+          </a:xfrm>
+          <a:prstGeom prst="rect">
+            <a:avLst/>
+          </a:prstGeom>
+        </p:spPr>
+        <p:txBody>
+          <a:bodyPr wrap="none">
+            <a:spAutoFit/>
+          </a:bodyPr>
+          <a:lstStyle/>
+          <a:p>
+            <a:r>
+              <a:rPr lang="en-US" sz="2800" dirty="0"/>
+              <a:t>What will happen if we print this?</a:t>
+            </a:r>
+          </a:p>
+        </p:txBody>
+      </p:sp>
+    </p:spTree>
+    <p:extLst>
+      <p:ext uri="{BB962C8B-B14F-4D97-AF65-F5344CB8AC3E}">
+        <p14:creationId xmlns:p14="http://schemas.microsoft.com/office/powerpoint/2010/main" val="392400403"/>
+      </p:ext>
+    </p:extLst>
+  </p:cSld>
+  <p:clrMapOvr>
+    <a:masterClrMapping/>
+  </p:clrMapOvr>
+</p:sld>
+</file>
+
+<file path=ppt/slides/slide13.xml><?xml version="1.0" encoding="utf-8"?>
+<p:sld xmlns:a="http://schemas.openxmlformats.org/drawingml/2006/main" xmlns:r="http://schemas.openxmlformats.org/officeDocument/2006/relationships" xmlns:p="http://schemas.openxmlformats.org/presentationml/2006/main">
+  <p:cSld>
+    <p:spTree>
+      <p:nvGrpSpPr>
+        <p:cNvPr id="1" name=""/>
+        <p:cNvGrpSpPr/>
+        <p:nvPr/>
+      </p:nvGrpSpPr>
+      <p:grpSpPr>
+        <a:xfrm>
+          <a:off x="0" y="0"/>
+          <a:ext cx="0" cy="0"/>
+          <a:chOff x="0" y="0"/>
+          <a:chExt cx="0" cy="0"/>
+        </a:xfrm>
+      </p:grpSpPr>
+      <p:sp>
+        <p:nvSpPr>
+          <p:cNvPr id="5" name="Titel 1">
+            <a:extLst>
+              <a:ext uri="{FF2B5EF4-FFF2-40B4-BE49-F238E27FC236}">
+                <a16:creationId xmlns:a16="http://schemas.microsoft.com/office/drawing/2014/main" id="{B64AA3E8-18E7-4C85-B5CB-094DACD16681}"/>
+              </a:ext>
+            </a:extLst>
+          </p:cNvPr>
+          <p:cNvSpPr>
+            <a:spLocks noGrp="1"/>
+          </p:cNvSpPr>
+          <p:nvPr>
+            <p:ph type="title"/>
+          </p:nvPr>
+        </p:nvSpPr>
+        <p:spPr>
+          <a:xfrm>
+            <a:off x="838200" y="365125"/>
+            <a:ext cx="10515600" cy="1325563"/>
+          </a:xfrm>
+        </p:spPr>
+        <p:txBody>
+          <a:bodyPr/>
+          <a:lstStyle/>
+          <a:p>
+            <a:r>
+              <a:rPr lang="en-US" dirty="0">
+                <a:latin typeface="+mj-lt"/>
+              </a:rPr>
+              <a:t>Example</a:t>
+            </a:r>
+          </a:p>
+        </p:txBody>
+      </p:sp>
+      <p:pic>
+        <p:nvPicPr>
+          <p:cNvPr id="3" name="Afbeelding 2">
+            <a:extLst>
+              <a:ext uri="{FF2B5EF4-FFF2-40B4-BE49-F238E27FC236}">
+                <a16:creationId xmlns:a16="http://schemas.microsoft.com/office/drawing/2014/main" id="{F35BA052-2453-4762-96A9-03DB4DB3BF45}"/>
+              </a:ext>
+            </a:extLst>
+          </p:cNvPr>
+          <p:cNvPicPr>
+            <a:picLocks noChangeAspect="1"/>
+          </p:cNvPicPr>
+          <p:nvPr/>
+        </p:nvPicPr>
+        <p:blipFill>
+          <a:blip r:embed="rId2"/>
+          <a:stretch>
+            <a:fillRect/>
+          </a:stretch>
+        </p:blipFill>
+        <p:spPr>
+          <a:xfrm>
+            <a:off x="1428750" y="2057123"/>
+            <a:ext cx="9334500" cy="2228850"/>
+          </a:xfrm>
+          <a:prstGeom prst="rect">
+            <a:avLst/>
+          </a:prstGeom>
+        </p:spPr>
+      </p:pic>
+      <p:pic>
+        <p:nvPicPr>
+          <p:cNvPr id="2" name="Afbeelding 1">
+            <a:extLst>
+              <a:ext uri="{FF2B5EF4-FFF2-40B4-BE49-F238E27FC236}">
+                <a16:creationId xmlns:a16="http://schemas.microsoft.com/office/drawing/2014/main" id="{86BAC541-3901-481E-8C82-0301E352D3E4}"/>
+              </a:ext>
+            </a:extLst>
+          </p:cNvPr>
+          <p:cNvPicPr>
+            <a:picLocks noChangeAspect="1"/>
+          </p:cNvPicPr>
+          <p:nvPr/>
+        </p:nvPicPr>
+        <p:blipFill>
+          <a:blip r:embed="rId3"/>
+          <a:stretch>
+            <a:fillRect/>
+          </a:stretch>
+        </p:blipFill>
+        <p:spPr>
+          <a:xfrm>
+            <a:off x="4014785" y="4389155"/>
+            <a:ext cx="4162425" cy="1533525"/>
+          </a:xfrm>
+          <a:prstGeom prst="rect">
+            <a:avLst/>
+          </a:prstGeom>
+        </p:spPr>
+      </p:pic>
+    </p:spTree>
+    <p:extLst>
+      <p:ext uri="{BB962C8B-B14F-4D97-AF65-F5344CB8AC3E}">
+        <p14:creationId xmlns:p14="http://schemas.microsoft.com/office/powerpoint/2010/main" val="1078266367"/>
+      </p:ext>
+    </p:extLst>
+  </p:cSld>
+  <p:clrMapOvr>
+    <a:masterClrMapping/>
+  </p:clrMapOvr>
+</p:sld>
+</file>
+
+<file path=ppt/slides/slide14.xml><?xml version="1.0" encoding="utf-8"?>
+<p:sld xmlns:a="http://schemas.openxmlformats.org/drawingml/2006/main" xmlns:r="http://schemas.openxmlformats.org/officeDocument/2006/relationships" xmlns:p="http://schemas.openxmlformats.org/presentationml/2006/main">
+  <p:cSld>
+    <p:spTree>
+      <p:nvGrpSpPr>
+        <p:cNvPr id="1" name=""/>
+        <p:cNvGrpSpPr/>
+        <p:nvPr/>
+      </p:nvGrpSpPr>
+      <p:grpSpPr>
+        <a:xfrm>
+          <a:off x="0" y="0"/>
+          <a:ext cx="0" cy="0"/>
+          <a:chOff x="0" y="0"/>
+          <a:chExt cx="0" cy="0"/>
+        </a:xfrm>
+      </p:grpSpPr>
+      <p:sp>
+        <p:nvSpPr>
+          <p:cNvPr id="5" name="Titel 1">
+            <a:extLst>
+              <a:ext uri="{FF2B5EF4-FFF2-40B4-BE49-F238E27FC236}">
+                <a16:creationId xmlns:a16="http://schemas.microsoft.com/office/drawing/2014/main" id="{B64AA3E8-18E7-4C85-B5CB-094DACD16681}"/>
+              </a:ext>
+            </a:extLst>
+          </p:cNvPr>
+          <p:cNvSpPr>
+            <a:spLocks noGrp="1"/>
+          </p:cNvSpPr>
+          <p:nvPr>
+            <p:ph type="title"/>
+          </p:nvPr>
+        </p:nvSpPr>
+        <p:spPr>
+          <a:xfrm>
+            <a:off x="838200" y="365125"/>
+            <a:ext cx="10515600" cy="1325563"/>
+          </a:xfrm>
+        </p:spPr>
+        <p:txBody>
+          <a:bodyPr/>
+          <a:lstStyle/>
+          <a:p>
+            <a:r>
+              <a:rPr lang="en-US" dirty="0">
+                <a:latin typeface="+mj-lt"/>
+              </a:rPr>
+              <a:t>Assignment (15 min) </a:t>
+            </a:r>
+          </a:p>
+        </p:txBody>
+      </p:sp>
+      <p:sp>
+        <p:nvSpPr>
+          <p:cNvPr id="4" name="Tekstvak 3">
+            <a:extLst>
+              <a:ext uri="{FF2B5EF4-FFF2-40B4-BE49-F238E27FC236}">
+                <a16:creationId xmlns:a16="http://schemas.microsoft.com/office/drawing/2014/main" id="{D2AC49C5-0CCB-40E4-B0F6-9EC0F47AE957}"/>
+              </a:ext>
+            </a:extLst>
+          </p:cNvPr>
+          <p:cNvSpPr txBox="1"/>
+          <p:nvPr/>
+        </p:nvSpPr>
+        <p:spPr>
+          <a:xfrm>
+            <a:off x="838200" y="2059619"/>
+            <a:ext cx="9317854" cy="954107"/>
+          </a:xfrm>
+          <a:prstGeom prst="rect">
+            <a:avLst/>
+          </a:prstGeom>
+          <a:noFill/>
+        </p:spPr>
+        <p:txBody>
+          <a:bodyPr wrap="square" rtlCol="0">
+            <a:spAutoFit/>
+          </a:bodyPr>
+          <a:lstStyle/>
+          <a:p>
+            <a:pPr marL="285750" indent="-285750">
+              <a:buFont typeface="Arial" panose="020B0604020202020204" pitchFamily="34" charset="0"/>
+              <a:buChar char="•"/>
+            </a:pPr>
+            <a:r>
+              <a:rPr lang="en-US" sz="2800" dirty="0"/>
+              <a:t>Google how to loop through the array in Python</a:t>
+            </a:r>
+          </a:p>
+          <a:p>
+            <a:pPr marL="285750" indent="-285750">
+              <a:buFont typeface="Arial" panose="020B0604020202020204" pitchFamily="34" charset="0"/>
+              <a:buChar char="•"/>
+            </a:pPr>
+            <a:r>
+              <a:rPr lang="en-US" sz="2800" dirty="0">
+                <a:solidFill>
+                  <a:srgbClr val="800080"/>
+                </a:solidFill>
+              </a:rPr>
+              <a:t>print</a:t>
+            </a:r>
+            <a:r>
+              <a:rPr lang="en-US" sz="2800" dirty="0"/>
+              <a:t> the items in the loop one by one</a:t>
+            </a:r>
+          </a:p>
+        </p:txBody>
+      </p:sp>
+    </p:spTree>
+    <p:extLst>
+      <p:ext uri="{BB962C8B-B14F-4D97-AF65-F5344CB8AC3E}">
+        <p14:creationId xmlns:p14="http://schemas.microsoft.com/office/powerpoint/2010/main" val="1961241449"/>
+      </p:ext>
+    </p:extLst>
+  </p:cSld>
+  <p:clrMapOvr>
+    <a:masterClrMapping/>
+  </p:clrMapOvr>
+</p:sld>
+</file>
+
+<file path=ppt/slides/slide15.xml><?xml version="1.0" encoding="utf-8"?>
+<p:sld xmlns:a="http://schemas.openxmlformats.org/drawingml/2006/main" xmlns:r="http://schemas.openxmlformats.org/officeDocument/2006/relationships" xmlns:p="http://schemas.openxmlformats.org/presentationml/2006/main">
+  <p:cSld>
+    <p:spTree>
+      <p:nvGrpSpPr>
+        <p:cNvPr id="1" name=""/>
+        <p:cNvGrpSpPr/>
+        <p:nvPr/>
+      </p:nvGrpSpPr>
+      <p:grpSpPr>
+        <a:xfrm>
+          <a:off x="0" y="0"/>
+          <a:ext cx="0" cy="0"/>
+          <a:chOff x="0" y="0"/>
+          <a:chExt cx="0" cy="0"/>
+        </a:xfrm>
+      </p:grpSpPr>
+      <p:sp>
+        <p:nvSpPr>
+          <p:cNvPr id="5" name="Titel 1">
+            <a:extLst>
+              <a:ext uri="{FF2B5EF4-FFF2-40B4-BE49-F238E27FC236}">
+                <a16:creationId xmlns:a16="http://schemas.microsoft.com/office/drawing/2014/main" id="{B64AA3E8-18E7-4C85-B5CB-094DACD16681}"/>
+              </a:ext>
+            </a:extLst>
+          </p:cNvPr>
+          <p:cNvSpPr>
+            <a:spLocks noGrp="1"/>
+          </p:cNvSpPr>
+          <p:nvPr>
+            <p:ph type="title"/>
+          </p:nvPr>
+        </p:nvSpPr>
+        <p:spPr>
+          <a:xfrm>
+            <a:off x="838200" y="365125"/>
+            <a:ext cx="10515600" cy="1325563"/>
+          </a:xfrm>
+        </p:spPr>
+        <p:txBody>
+          <a:bodyPr/>
+          <a:lstStyle/>
+          <a:p>
+            <a:r>
+              <a:rPr lang="en-US" dirty="0">
+                <a:latin typeface="+mj-lt"/>
+              </a:rPr>
+              <a:t>Assignment (15 min) </a:t>
+            </a:r>
+          </a:p>
+        </p:txBody>
+      </p:sp>
+      <p:pic>
+        <p:nvPicPr>
+          <p:cNvPr id="2" name="Afbeelding 1">
+            <a:extLst>
+              <a:ext uri="{FF2B5EF4-FFF2-40B4-BE49-F238E27FC236}">
+                <a16:creationId xmlns:a16="http://schemas.microsoft.com/office/drawing/2014/main" id="{49C01A7F-9F12-4381-9E75-F0960BA44FCF}"/>
+              </a:ext>
+            </a:extLst>
+          </p:cNvPr>
+          <p:cNvPicPr>
+            <a:picLocks noChangeAspect="1"/>
+          </p:cNvPicPr>
+          <p:nvPr/>
+        </p:nvPicPr>
+        <p:blipFill>
+          <a:blip r:embed="rId2"/>
+          <a:stretch>
+            <a:fillRect/>
+          </a:stretch>
+        </p:blipFill>
+        <p:spPr>
+          <a:xfrm>
+            <a:off x="5978694" y="4121150"/>
+            <a:ext cx="4105275" cy="2371725"/>
+          </a:xfrm>
+          <a:prstGeom prst="rect">
+            <a:avLst/>
+          </a:prstGeom>
+        </p:spPr>
+      </p:pic>
+      <p:pic>
+        <p:nvPicPr>
+          <p:cNvPr id="3" name="Afbeelding 2">
+            <a:extLst>
+              <a:ext uri="{FF2B5EF4-FFF2-40B4-BE49-F238E27FC236}">
+                <a16:creationId xmlns:a16="http://schemas.microsoft.com/office/drawing/2014/main" id="{936FE86E-EE3E-4CDD-827C-6A1DCC7FF552}"/>
+              </a:ext>
+            </a:extLst>
+          </p:cNvPr>
+          <p:cNvPicPr>
+            <a:picLocks noChangeAspect="1"/>
+          </p:cNvPicPr>
+          <p:nvPr/>
+        </p:nvPicPr>
+        <p:blipFill>
+          <a:blip r:embed="rId3"/>
+          <a:stretch>
+            <a:fillRect/>
+          </a:stretch>
+        </p:blipFill>
+        <p:spPr>
+          <a:xfrm>
+            <a:off x="838200" y="1587192"/>
+            <a:ext cx="9220200" cy="2590800"/>
+          </a:xfrm>
+          <a:prstGeom prst="rect">
+            <a:avLst/>
+          </a:prstGeom>
+        </p:spPr>
+      </p:pic>
+    </p:spTree>
+    <p:extLst>
+      <p:ext uri="{BB962C8B-B14F-4D97-AF65-F5344CB8AC3E}">
+        <p14:creationId xmlns:p14="http://schemas.microsoft.com/office/powerpoint/2010/main" val="3071379163"/>
+      </p:ext>
+    </p:extLst>
+  </p:cSld>
+  <p:clrMapOvr>
+    <a:masterClrMapping/>
+  </p:clrMapOvr>
+</p:sld>
+</file>
+
+<file path=ppt/slides/slide16.xml><?xml version="1.0" encoding="utf-8"?>
+<p:sld xmlns:a="http://schemas.openxmlformats.org/drawingml/2006/main" xmlns:r="http://schemas.openxmlformats.org/officeDocument/2006/relationships" xmlns:p="http://schemas.openxmlformats.org/presentationml/2006/main">
+  <p:cSld>
+    <p:spTree>
+      <p:nvGrpSpPr>
+        <p:cNvPr id="1" name=""/>
+        <p:cNvGrpSpPr/>
+        <p:nvPr/>
+      </p:nvGrpSpPr>
+      <p:grpSpPr>
+        <a:xfrm>
+          <a:off x="0" y="0"/>
+          <a:ext cx="0" cy="0"/>
+          <a:chOff x="0" y="0"/>
+          <a:chExt cx="0" cy="0"/>
+        </a:xfrm>
+      </p:grpSpPr>
+      <p:sp>
+        <p:nvSpPr>
+          <p:cNvPr id="5" name="Titel 1">
+            <a:extLst>
+              <a:ext uri="{FF2B5EF4-FFF2-40B4-BE49-F238E27FC236}">
+                <a16:creationId xmlns:a16="http://schemas.microsoft.com/office/drawing/2014/main" id="{B64AA3E8-18E7-4C85-B5CB-094DACD16681}"/>
+              </a:ext>
+            </a:extLst>
+          </p:cNvPr>
+          <p:cNvSpPr>
+            <a:spLocks noGrp="1"/>
+          </p:cNvSpPr>
+          <p:nvPr>
+            <p:ph type="title"/>
+          </p:nvPr>
+        </p:nvSpPr>
+        <p:spPr>
+          <a:xfrm>
+            <a:off x="838200" y="365125"/>
+            <a:ext cx="10515600" cy="1325563"/>
+          </a:xfrm>
+        </p:spPr>
+        <p:txBody>
+          <a:bodyPr/>
+          <a:lstStyle/>
+          <a:p>
+            <a:r>
+              <a:rPr lang="en-US" dirty="0">
+                <a:latin typeface="+mj-lt"/>
+              </a:rPr>
+              <a:t>Example</a:t>
+            </a:r>
+          </a:p>
+        </p:txBody>
+      </p:sp>
+      <p:pic>
+        <p:nvPicPr>
+          <p:cNvPr id="4" name="Afbeelding 3">
+            <a:extLst>
+              <a:ext uri="{FF2B5EF4-FFF2-40B4-BE49-F238E27FC236}">
+                <a16:creationId xmlns:a16="http://schemas.microsoft.com/office/drawing/2014/main" id="{06F50AD9-67B6-402A-B58E-EE6FD88CDCDC}"/>
+              </a:ext>
+            </a:extLst>
+          </p:cNvPr>
+          <p:cNvPicPr>
+            <a:picLocks noChangeAspect="1"/>
+          </p:cNvPicPr>
+          <p:nvPr/>
+        </p:nvPicPr>
+        <p:blipFill>
+          <a:blip r:embed="rId2"/>
+          <a:stretch>
+            <a:fillRect/>
+          </a:stretch>
+        </p:blipFill>
+        <p:spPr>
+          <a:xfrm>
+            <a:off x="3138487" y="1790700"/>
+            <a:ext cx="5915025" cy="1638300"/>
+          </a:xfrm>
+          <a:prstGeom prst="rect">
+            <a:avLst/>
+          </a:prstGeom>
+        </p:spPr>
+      </p:pic>
+      <p:sp>
+        <p:nvSpPr>
+          <p:cNvPr id="6" name="Tekstvak 5">
+            <a:extLst>
+              <a:ext uri="{FF2B5EF4-FFF2-40B4-BE49-F238E27FC236}">
+                <a16:creationId xmlns:a16="http://schemas.microsoft.com/office/drawing/2014/main" id="{36BCDA6E-68F8-4E44-9FE9-EBE968430D95}"/>
+              </a:ext>
+            </a:extLst>
+          </p:cNvPr>
+          <p:cNvSpPr txBox="1"/>
+          <p:nvPr/>
+        </p:nvSpPr>
+        <p:spPr>
+          <a:xfrm>
+            <a:off x="2519314" y="4251135"/>
+            <a:ext cx="7153369" cy="523220"/>
+          </a:xfrm>
+          <a:prstGeom prst="rect">
+            <a:avLst/>
+          </a:prstGeom>
+          <a:noFill/>
+        </p:spPr>
+        <p:txBody>
+          <a:bodyPr wrap="none" rtlCol="0">
+            <a:spAutoFit/>
+          </a:bodyPr>
+          <a:lstStyle/>
+          <a:p>
+            <a:r>
+              <a:rPr lang="en-US" sz="2800" dirty="0"/>
+              <a:t>What do you think the append function will do?</a:t>
+            </a:r>
+          </a:p>
+        </p:txBody>
+      </p:sp>
+    </p:spTree>
+    <p:extLst>
+      <p:ext uri="{BB962C8B-B14F-4D97-AF65-F5344CB8AC3E}">
+        <p14:creationId xmlns:p14="http://schemas.microsoft.com/office/powerpoint/2010/main" val="3141514115"/>
+      </p:ext>
+    </p:extLst>
+  </p:cSld>
+  <p:clrMapOvr>
+    <a:masterClrMapping/>
+  </p:clrMapOvr>
+</p:sld>
+</file>
+
+<file path=ppt/slides/slide17.xml><?xml version="1.0" encoding="utf-8"?>
+<p:sld xmlns:a="http://schemas.openxmlformats.org/drawingml/2006/main" xmlns:r="http://schemas.openxmlformats.org/officeDocument/2006/relationships" xmlns:p="http://schemas.openxmlformats.org/presentationml/2006/main">
+  <p:cSld>
+    <p:spTree>
+      <p:nvGrpSpPr>
+        <p:cNvPr id="1" name=""/>
+        <p:cNvGrpSpPr/>
+        <p:nvPr/>
+      </p:nvGrpSpPr>
+      <p:grpSpPr>
+        <a:xfrm>
+          <a:off x="0" y="0"/>
+          <a:ext cx="0" cy="0"/>
+          <a:chOff x="0" y="0"/>
+          <a:chExt cx="0" cy="0"/>
+        </a:xfrm>
+      </p:grpSpPr>
+      <p:sp>
+        <p:nvSpPr>
+          <p:cNvPr id="5" name="Titel 1">
+            <a:extLst>
+              <a:ext uri="{FF2B5EF4-FFF2-40B4-BE49-F238E27FC236}">
+                <a16:creationId xmlns:a16="http://schemas.microsoft.com/office/drawing/2014/main" id="{B64AA3E8-18E7-4C85-B5CB-094DACD16681}"/>
+              </a:ext>
+            </a:extLst>
+          </p:cNvPr>
+          <p:cNvSpPr>
+            <a:spLocks noGrp="1"/>
+          </p:cNvSpPr>
+          <p:nvPr>
+            <p:ph type="title"/>
+          </p:nvPr>
+        </p:nvSpPr>
+        <p:spPr>
+          <a:xfrm>
+            <a:off x="838200" y="365125"/>
+            <a:ext cx="10515600" cy="1325563"/>
+          </a:xfrm>
+        </p:spPr>
+        <p:txBody>
+          <a:bodyPr/>
+          <a:lstStyle/>
+          <a:p>
+            <a:r>
+              <a:rPr lang="en-US" dirty="0">
+                <a:latin typeface="+mj-lt"/>
+              </a:rPr>
+              <a:t>Example</a:t>
+            </a:r>
+          </a:p>
+        </p:txBody>
+      </p:sp>
+      <p:pic>
+        <p:nvPicPr>
+          <p:cNvPr id="2" name="Afbeelding 1">
+            <a:extLst>
+              <a:ext uri="{FF2B5EF4-FFF2-40B4-BE49-F238E27FC236}">
+                <a16:creationId xmlns:a16="http://schemas.microsoft.com/office/drawing/2014/main" id="{EDEB2E69-15E1-4802-9A0C-AC908A60E70A}"/>
+              </a:ext>
+            </a:extLst>
+          </p:cNvPr>
+          <p:cNvPicPr>
+            <a:picLocks noChangeAspect="1"/>
+          </p:cNvPicPr>
+          <p:nvPr/>
+        </p:nvPicPr>
+        <p:blipFill>
+          <a:blip r:embed="rId2"/>
+          <a:stretch>
+            <a:fillRect/>
+          </a:stretch>
+        </p:blipFill>
+        <p:spPr>
+          <a:xfrm>
+            <a:off x="3119435" y="1690688"/>
+            <a:ext cx="5953125" cy="2609850"/>
+          </a:xfrm>
+          <a:prstGeom prst="rect">
+            <a:avLst/>
+          </a:prstGeom>
+        </p:spPr>
+      </p:pic>
+      <p:pic>
+        <p:nvPicPr>
+          <p:cNvPr id="3" name="Afbeelding 2">
+            <a:extLst>
+              <a:ext uri="{FF2B5EF4-FFF2-40B4-BE49-F238E27FC236}">
+                <a16:creationId xmlns:a16="http://schemas.microsoft.com/office/drawing/2014/main" id="{B6665EFE-0B2F-4314-8ED5-A50D45C66C83}"/>
+              </a:ext>
+            </a:extLst>
+          </p:cNvPr>
+          <p:cNvPicPr>
+            <a:picLocks noChangeAspect="1"/>
+          </p:cNvPicPr>
+          <p:nvPr/>
+        </p:nvPicPr>
+        <p:blipFill>
+          <a:blip r:embed="rId3"/>
+          <a:stretch>
+            <a:fillRect/>
+          </a:stretch>
+        </p:blipFill>
+        <p:spPr>
+          <a:xfrm>
+            <a:off x="4195759" y="4679301"/>
+            <a:ext cx="3800475" cy="1647825"/>
+          </a:xfrm>
+          <a:prstGeom prst="rect">
+            <a:avLst/>
+          </a:prstGeom>
+        </p:spPr>
+      </p:pic>
+    </p:spTree>
+    <p:extLst>
+      <p:ext uri="{BB962C8B-B14F-4D97-AF65-F5344CB8AC3E}">
+        <p14:creationId xmlns:p14="http://schemas.microsoft.com/office/powerpoint/2010/main" val="856071024"/>
+      </p:ext>
+    </p:extLst>
+  </p:cSld>
+  <p:clrMapOvr>
+    <a:masterClrMapping/>
+  </p:clrMapOvr>
+</p:sld>
+</file>
+
+<file path=ppt/slides/slide18.xml><?xml version="1.0" encoding="utf-8"?>
+<p:sld xmlns:a="http://schemas.openxmlformats.org/drawingml/2006/main" xmlns:r="http://schemas.openxmlformats.org/officeDocument/2006/relationships" xmlns:p="http://schemas.openxmlformats.org/presentationml/2006/main">
+  <p:cSld>
+    <p:spTree>
+      <p:nvGrpSpPr>
+        <p:cNvPr id="1" name=""/>
+        <p:cNvGrpSpPr/>
+        <p:nvPr/>
+      </p:nvGrpSpPr>
+      <p:grpSpPr>
+        <a:xfrm>
+          <a:off x="0" y="0"/>
+          <a:ext cx="0" cy="0"/>
+          <a:chOff x="0" y="0"/>
+          <a:chExt cx="0" cy="0"/>
+        </a:xfrm>
+      </p:grpSpPr>
+      <p:sp>
+        <p:nvSpPr>
+          <p:cNvPr id="5" name="Titel 1">
+            <a:extLst>
+              <a:ext uri="{FF2B5EF4-FFF2-40B4-BE49-F238E27FC236}">
+                <a16:creationId xmlns:a16="http://schemas.microsoft.com/office/drawing/2014/main" id="{B64AA3E8-18E7-4C85-B5CB-094DACD16681}"/>
+              </a:ext>
+            </a:extLst>
+          </p:cNvPr>
+          <p:cNvSpPr>
+            <a:spLocks noGrp="1"/>
+          </p:cNvSpPr>
+          <p:nvPr>
+            <p:ph type="title"/>
+          </p:nvPr>
+        </p:nvSpPr>
+        <p:spPr>
+          <a:xfrm>
+            <a:off x="838200" y="365125"/>
+            <a:ext cx="10515600" cy="1325563"/>
+          </a:xfrm>
+        </p:spPr>
+        <p:txBody>
+          <a:bodyPr/>
+          <a:lstStyle/>
+          <a:p>
+            <a:r>
+              <a:rPr lang="en-US" dirty="0">
+                <a:latin typeface="+mj-lt"/>
+              </a:rPr>
+              <a:t>Assignment Fibonacci (25 min) </a:t>
+            </a:r>
+          </a:p>
+        </p:txBody>
+      </p:sp>
+      <p:sp>
+        <p:nvSpPr>
+          <p:cNvPr id="4" name="Tekstvak 3">
+            <a:extLst>
+              <a:ext uri="{FF2B5EF4-FFF2-40B4-BE49-F238E27FC236}">
+                <a16:creationId xmlns:a16="http://schemas.microsoft.com/office/drawing/2014/main" id="{D2AC49C5-0CCB-40E4-B0F6-9EC0F47AE957}"/>
+              </a:ext>
+            </a:extLst>
+          </p:cNvPr>
+          <p:cNvSpPr txBox="1"/>
+          <p:nvPr/>
+        </p:nvSpPr>
+        <p:spPr>
+          <a:xfrm>
+            <a:off x="838200" y="2059619"/>
+            <a:ext cx="9317854" cy="2677656"/>
+          </a:xfrm>
+          <a:prstGeom prst="rect">
+            <a:avLst/>
+          </a:prstGeom>
+          <a:noFill/>
+        </p:spPr>
+        <p:txBody>
+          <a:bodyPr wrap="square" rtlCol="0">
+            <a:spAutoFit/>
+          </a:bodyPr>
+          <a:lstStyle/>
+          <a:p>
+            <a:pPr marL="285750" indent="-285750">
+              <a:buFont typeface="Arial" panose="020B0604020202020204" pitchFamily="34" charset="0"/>
+              <a:buChar char="•"/>
+            </a:pPr>
+            <a:r>
+              <a:rPr lang="en-US" sz="2800" dirty="0"/>
+              <a:t>Ask the user how long the array should be (</a:t>
+            </a:r>
+            <a:r>
+              <a:rPr lang="en-US" sz="2800" dirty="0">
+                <a:solidFill>
+                  <a:srgbClr val="800080"/>
+                </a:solidFill>
+              </a:rPr>
+              <a:t>input</a:t>
+            </a:r>
+            <a:r>
+              <a:rPr lang="en-US" sz="2800" dirty="0"/>
+              <a:t>)</a:t>
+            </a:r>
+          </a:p>
+          <a:p>
+            <a:pPr marL="285750" indent="-285750">
+              <a:buFont typeface="Arial" panose="020B0604020202020204" pitchFamily="34" charset="0"/>
+              <a:buChar char="•"/>
+            </a:pPr>
+            <a:r>
+              <a:rPr lang="en-US" sz="2800" dirty="0"/>
+              <a:t>Check the input of the user</a:t>
+            </a:r>
+          </a:p>
+          <a:p>
+            <a:pPr marL="742950" lvl="1" indent="-285750">
+              <a:buFont typeface="Arial" panose="020B0604020202020204" pitchFamily="34" charset="0"/>
+              <a:buChar char="•"/>
+            </a:pPr>
+            <a:r>
+              <a:rPr lang="en-US" sz="2800" dirty="0"/>
+              <a:t>If it is 0 the result should be []</a:t>
+            </a:r>
+          </a:p>
+          <a:p>
+            <a:pPr marL="742950" lvl="1" indent="-285750">
+              <a:buFont typeface="Arial" panose="020B0604020202020204" pitchFamily="34" charset="0"/>
+              <a:buChar char="•"/>
+            </a:pPr>
+            <a:r>
+              <a:rPr lang="en-US" sz="2800" dirty="0"/>
+              <a:t>If it is 1 the result should be [1]</a:t>
+            </a:r>
+          </a:p>
+          <a:p>
+            <a:pPr marL="742950" lvl="1" indent="-285750">
+              <a:buFont typeface="Arial" panose="020B0604020202020204" pitchFamily="34" charset="0"/>
+              <a:buChar char="•"/>
+            </a:pPr>
+            <a:r>
+              <a:rPr lang="en-US" sz="2800" dirty="0"/>
+              <a:t>If it is 2 the result should be [1, 1]</a:t>
+            </a:r>
+          </a:p>
+          <a:p>
+            <a:pPr marL="742950" lvl="1" indent="-285750">
+              <a:buFont typeface="Arial" panose="020B0604020202020204" pitchFamily="34" charset="0"/>
+              <a:buChar char="•"/>
+            </a:pPr>
+            <a:r>
+              <a:rPr lang="en-US" sz="2800" dirty="0"/>
+              <a:t>Else it should be a list of the length of the input</a:t>
+            </a:r>
+          </a:p>
+        </p:txBody>
+      </p:sp>
+      <p:sp>
+        <p:nvSpPr>
+          <p:cNvPr id="2" name="Tekstvak 1">
+            <a:extLst>
+              <a:ext uri="{FF2B5EF4-FFF2-40B4-BE49-F238E27FC236}">
+                <a16:creationId xmlns:a16="http://schemas.microsoft.com/office/drawing/2014/main" id="{9D8A081B-C922-48C9-8D38-E57BB5ED62BF}"/>
+              </a:ext>
+            </a:extLst>
+          </p:cNvPr>
+          <p:cNvSpPr txBox="1"/>
+          <p:nvPr/>
+        </p:nvSpPr>
+        <p:spPr>
+          <a:xfrm>
+            <a:off x="838200" y="5106206"/>
+            <a:ext cx="8535863" cy="923330"/>
+          </a:xfrm>
+          <a:prstGeom prst="rect">
+            <a:avLst/>
+          </a:prstGeom>
+          <a:noFill/>
+        </p:spPr>
+        <p:txBody>
+          <a:bodyPr wrap="none" rtlCol="0">
+            <a:spAutoFit/>
+          </a:bodyPr>
+          <a:lstStyle/>
+          <a:p>
+            <a:r>
+              <a:rPr lang="en-US" i="1" dirty="0"/>
+              <a:t>The </a:t>
+            </a:r>
+            <a:r>
+              <a:rPr lang="en-US" i="1" dirty="0" err="1"/>
+              <a:t>Fibonnaci</a:t>
+            </a:r>
+            <a:r>
+              <a:rPr lang="en-US" i="1" dirty="0"/>
+              <a:t> </a:t>
+            </a:r>
+            <a:r>
+              <a:rPr lang="en-US" i="1" dirty="0" err="1"/>
+              <a:t>seqence</a:t>
+            </a:r>
+            <a:r>
+              <a:rPr lang="en-US" i="1" dirty="0"/>
+              <a:t> is a sequence of numbers where the next number in the sequence </a:t>
+            </a:r>
+          </a:p>
+          <a:p>
+            <a:r>
+              <a:rPr lang="en-US" i="1" dirty="0"/>
+              <a:t>is the sum of the previous two numbers in the sequence. </a:t>
+            </a:r>
+          </a:p>
+          <a:p>
+            <a:r>
+              <a:rPr lang="en-US" i="1" dirty="0"/>
+              <a:t>The sequence looks like this: 1, 1, 2, 3, 5, 8, 13, …</a:t>
+            </a:r>
+            <a:r>
+              <a:rPr lang="en-US" dirty="0"/>
+              <a:t>)</a:t>
+            </a:r>
+          </a:p>
+        </p:txBody>
+      </p:sp>
+    </p:spTree>
+    <p:extLst>
+      <p:ext uri="{BB962C8B-B14F-4D97-AF65-F5344CB8AC3E}">
+        <p14:creationId xmlns:p14="http://schemas.microsoft.com/office/powerpoint/2010/main" val="3178421113"/>
+      </p:ext>
+    </p:extLst>
+  </p:cSld>
+  <p:clrMapOvr>
+    <a:masterClrMapping/>
+  </p:clrMapOvr>
+</p:sld>
+</file>
+
+<file path=ppt/slides/slide19.xml><?xml version="1.0" encoding="utf-8"?>
 <p:sld xmlns:a="http://schemas.openxmlformats.org/drawingml/2006/main" xmlns:r="http://schemas.openxmlformats.org/officeDocument/2006/relationships" xmlns:p="http://schemas.openxmlformats.org/presentationml/2006/main">
   <p:cSld>
     <p:spTree>
@@ -3836,67 +5094,7 @@
             </a:lvl9pPr>
           </a:lstStyle>
           <a:p>
-            <a:r>
-              <a:rPr lang="en-US" dirty="0" err="1">
-                <a:solidFill>
-                  <a:srgbClr val="800080"/>
-                </a:solidFill>
-              </a:rPr>
-              <a:t>elif</a:t>
-            </a:r>
-            <a:r>
-              <a:rPr lang="en-US" dirty="0">
-                <a:solidFill>
-                  <a:srgbClr val="800080"/>
-                </a:solidFill>
-              </a:rPr>
-              <a:t> </a:t>
-            </a:r>
-            <a:r>
-              <a:rPr lang="en-US" dirty="0"/>
-              <a:t>statement</a:t>
-            </a:r>
-          </a:p>
-          <a:p>
-            <a:r>
-              <a:rPr lang="en-US" dirty="0"/>
-              <a:t>variable += “string” / += 1</a:t>
-            </a:r>
-          </a:p>
-          <a:p>
-            <a:r>
-              <a:rPr lang="en-US" dirty="0">
-                <a:solidFill>
-                  <a:srgbClr val="800080"/>
-                </a:solidFill>
-              </a:rPr>
-              <a:t>for</a:t>
-            </a:r>
-            <a:r>
-              <a:rPr lang="en-US" dirty="0"/>
-              <a:t> loop</a:t>
-            </a:r>
-          </a:p>
-          <a:p>
-            <a:r>
-              <a:rPr lang="en-US" dirty="0"/>
-              <a:t>How to google a problem</a:t>
-            </a:r>
-          </a:p>
-          <a:p>
             <a:endParaRPr lang="en-US" dirty="0"/>
-          </a:p>
-          <a:p>
-            <a:r>
-              <a:rPr lang="en-US" dirty="0"/>
-              <a:t>Created a simple calculator</a:t>
-            </a:r>
-          </a:p>
-          <a:p>
-            <a:r>
-              <a:rPr lang="en-US" dirty="0"/>
-              <a:t>Created a for loop that calculates a triangular number</a:t>
-            </a:r>
           </a:p>
         </p:txBody>
       </p:sp>
@@ -3930,7 +5128,7 @@
               <a:rPr lang="en-US" dirty="0">
                 <a:latin typeface="+mj-lt"/>
               </a:rPr>
-              <a:t>Recap</a:t>
+              <a:t>Summary</a:t>
             </a:r>
           </a:p>
         </p:txBody>
@@ -3938,7 +5136,7 @@
     </p:spTree>
     <p:extLst>
       <p:ext uri="{BB962C8B-B14F-4D97-AF65-F5344CB8AC3E}">
-        <p14:creationId xmlns:p14="http://schemas.microsoft.com/office/powerpoint/2010/main" val="1031968100"/>
+        <p14:creationId xmlns:p14="http://schemas.microsoft.com/office/powerpoint/2010/main" val="567166922"/>
       </p:ext>
     </p:extLst>
   </p:cSld>
@@ -3948,75 +5146,7 @@
 </p:sld>
 </file>
 
-<file path=ppt/slides/slide3.xml><?xml version="1.0" encoding="utf-8"?>
-<p:sld xmlns:a="http://schemas.openxmlformats.org/drawingml/2006/main" xmlns:r="http://schemas.openxmlformats.org/officeDocument/2006/relationships" xmlns:p="http://schemas.openxmlformats.org/presentationml/2006/main">
-  <p:cSld>
-    <p:spTree>
-      <p:nvGrpSpPr>
-        <p:cNvPr id="1" name=""/>
-        <p:cNvGrpSpPr/>
-        <p:nvPr/>
-      </p:nvGrpSpPr>
-      <p:grpSpPr>
-        <a:xfrm>
-          <a:off x="0" y="0"/>
-          <a:ext cx="0" cy="0"/>
-          <a:chOff x="0" y="0"/>
-          <a:chExt cx="0" cy="0"/>
-        </a:xfrm>
-      </p:grpSpPr>
-      <p:sp>
-        <p:nvSpPr>
-          <p:cNvPr id="2" name="Titel 1">
-            <a:extLst>
-              <a:ext uri="{FF2B5EF4-FFF2-40B4-BE49-F238E27FC236}">
-                <a16:creationId xmlns:a16="http://schemas.microsoft.com/office/drawing/2014/main" id="{1A5994EA-8A25-4ED1-A4BF-DCFE0592FDF9}"/>
-              </a:ext>
-            </a:extLst>
-          </p:cNvPr>
-          <p:cNvSpPr>
-            <a:spLocks noGrp="1"/>
-          </p:cNvSpPr>
-          <p:nvPr>
-            <p:ph type="title"/>
-          </p:nvPr>
-        </p:nvSpPr>
-        <p:spPr>
-          <a:xfrm>
-            <a:off x="838200" y="365125"/>
-            <a:ext cx="10515600" cy="1325563"/>
-          </a:xfrm>
-        </p:spPr>
-        <p:txBody>
-          <a:bodyPr/>
-          <a:lstStyle/>
-          <a:p>
-            <a:r>
-              <a:rPr lang="en-US">
-                <a:latin typeface="+mj-lt"/>
-              </a:rPr>
-              <a:t>Titles</a:t>
-            </a:r>
-            <a:endParaRPr lang="en-US" dirty="0">
-              <a:latin typeface="+mj-lt"/>
-            </a:endParaRPr>
-          </a:p>
-        </p:txBody>
-      </p:sp>
-    </p:spTree>
-    <p:extLst>
-      <p:ext uri="{BB962C8B-B14F-4D97-AF65-F5344CB8AC3E}">
-        <p14:creationId xmlns:p14="http://schemas.microsoft.com/office/powerpoint/2010/main" val="3565709754"/>
-      </p:ext>
-    </p:extLst>
-  </p:cSld>
-  <p:clrMapOvr>
-    <a:masterClrMapping/>
-  </p:clrMapOvr>
-</p:sld>
-</file>
-
-<file path=ppt/slides/slide4.xml><?xml version="1.0" encoding="utf-8"?>
+<file path=ppt/slides/slide2.xml><?xml version="1.0" encoding="utf-8"?>
 <p:sld xmlns:a="http://schemas.openxmlformats.org/drawingml/2006/main" xmlns:r="http://schemas.openxmlformats.org/officeDocument/2006/relationships" xmlns:p="http://schemas.openxmlformats.org/presentationml/2006/main">
   <p:cSld>
     <p:spTree>
@@ -4223,7 +5353,79 @@
             </a:lvl9pPr>
           </a:lstStyle>
           <a:p>
+            <a:r>
+              <a:rPr lang="en-US" dirty="0" err="1">
+                <a:solidFill>
+                  <a:srgbClr val="800080"/>
+                </a:solidFill>
+              </a:rPr>
+              <a:t>elif</a:t>
+            </a:r>
+            <a:r>
+              <a:rPr lang="en-US" dirty="0">
+                <a:solidFill>
+                  <a:srgbClr val="800080"/>
+                </a:solidFill>
+              </a:rPr>
+              <a:t> </a:t>
+            </a:r>
+            <a:r>
+              <a:rPr lang="en-US" dirty="0"/>
+              <a:t>statement</a:t>
+            </a:r>
+          </a:p>
+          <a:p>
+            <a:r>
+              <a:rPr lang="en-US" dirty="0"/>
+              <a:t>variabl</a:t>
+            </a:r>
+            <a:r>
+              <a:rPr lang="en-US" dirty="0">
+                <a:solidFill>
+                  <a:srgbClr val="800080"/>
+                </a:solidFill>
+              </a:rPr>
+              <a:t>e</a:t>
+            </a:r>
+            <a:r>
+              <a:rPr lang="en-US" dirty="0"/>
+              <a:t> += “string” / += 1</a:t>
+            </a:r>
+          </a:p>
+          <a:p>
+            <a:r>
+              <a:rPr lang="en-US" dirty="0">
+                <a:solidFill>
+                  <a:srgbClr val="800080"/>
+                </a:solidFill>
+              </a:rPr>
+              <a:t>for</a:t>
+            </a:r>
+            <a:r>
+              <a:rPr lang="en-US" dirty="0"/>
+              <a:t> loop</a:t>
+            </a:r>
+          </a:p>
+          <a:p>
+            <a:r>
+              <a:rPr lang="en-US" dirty="0"/>
+              <a:t>How to google a problem</a:t>
+            </a:r>
+          </a:p>
+          <a:p>
             <a:endParaRPr lang="en-US" dirty="0"/>
+          </a:p>
+          <a:p>
+            <a:r>
+              <a:rPr lang="en-US" dirty="0"/>
+              <a:t>Created a simple calculator</a:t>
+            </a:r>
+          </a:p>
+          <a:p>
+            <a:r>
+              <a:rPr lang="en-US" dirty="0"/>
+              <a:t>Created a for loop that calculates a triangular number</a:t>
+            </a:r>
           </a:p>
         </p:txBody>
       </p:sp>
@@ -4257,7 +5459,7 @@
               <a:rPr lang="en-US" dirty="0">
                 <a:latin typeface="+mj-lt"/>
               </a:rPr>
-              <a:t>Summary</a:t>
+              <a:t>Recap</a:t>
             </a:r>
           </a:p>
         </p:txBody>
@@ -4265,7 +5467,984 @@
     </p:spTree>
     <p:extLst>
       <p:ext uri="{BB962C8B-B14F-4D97-AF65-F5344CB8AC3E}">
-        <p14:creationId xmlns:p14="http://schemas.microsoft.com/office/powerpoint/2010/main" val="567166922"/>
+        <p14:creationId xmlns:p14="http://schemas.microsoft.com/office/powerpoint/2010/main" val="1031968100"/>
+      </p:ext>
+    </p:extLst>
+  </p:cSld>
+  <p:clrMapOvr>
+    <a:masterClrMapping/>
+  </p:clrMapOvr>
+</p:sld>
+</file>
+
+<file path=ppt/slides/slide3.xml><?xml version="1.0" encoding="utf-8"?>
+<p:sld xmlns:a="http://schemas.openxmlformats.org/drawingml/2006/main" xmlns:r="http://schemas.openxmlformats.org/officeDocument/2006/relationships" xmlns:p="http://schemas.openxmlformats.org/presentationml/2006/main">
+  <p:cSld>
+    <p:spTree>
+      <p:nvGrpSpPr>
+        <p:cNvPr id="1" name=""/>
+        <p:cNvGrpSpPr/>
+        <p:nvPr/>
+      </p:nvGrpSpPr>
+      <p:grpSpPr>
+        <a:xfrm>
+          <a:off x="0" y="0"/>
+          <a:ext cx="0" cy="0"/>
+          <a:chOff x="0" y="0"/>
+          <a:chExt cx="0" cy="0"/>
+        </a:xfrm>
+      </p:grpSpPr>
+      <p:sp>
+        <p:nvSpPr>
+          <p:cNvPr id="2" name="Titel 1">
+            <a:extLst>
+              <a:ext uri="{FF2B5EF4-FFF2-40B4-BE49-F238E27FC236}">
+                <a16:creationId xmlns:a16="http://schemas.microsoft.com/office/drawing/2014/main" id="{1A5994EA-8A25-4ED1-A4BF-DCFE0592FDF9}"/>
+              </a:ext>
+            </a:extLst>
+          </p:cNvPr>
+          <p:cNvSpPr>
+            <a:spLocks noGrp="1"/>
+          </p:cNvSpPr>
+          <p:nvPr>
+            <p:ph type="title"/>
+          </p:nvPr>
+        </p:nvSpPr>
+        <p:spPr>
+          <a:xfrm>
+            <a:off x="838200" y="365125"/>
+            <a:ext cx="10515600" cy="1325563"/>
+          </a:xfrm>
+        </p:spPr>
+        <p:txBody>
+          <a:bodyPr/>
+          <a:lstStyle/>
+          <a:p>
+            <a:r>
+              <a:rPr lang="en-US" dirty="0">
+                <a:latin typeface="+mj-lt"/>
+              </a:rPr>
+              <a:t>Example</a:t>
+            </a:r>
+          </a:p>
+        </p:txBody>
+      </p:sp>
+      <p:pic>
+        <p:nvPicPr>
+          <p:cNvPr id="3" name="Afbeelding 2">
+            <a:extLst>
+              <a:ext uri="{FF2B5EF4-FFF2-40B4-BE49-F238E27FC236}">
+                <a16:creationId xmlns:a16="http://schemas.microsoft.com/office/drawing/2014/main" id="{D155A32A-5E0C-43FF-AB0E-A55456C7C327}"/>
+              </a:ext>
+            </a:extLst>
+          </p:cNvPr>
+          <p:cNvPicPr>
+            <a:picLocks noChangeAspect="1"/>
+          </p:cNvPicPr>
+          <p:nvPr/>
+        </p:nvPicPr>
+        <p:blipFill>
+          <a:blip r:embed="rId2"/>
+          <a:stretch>
+            <a:fillRect/>
+          </a:stretch>
+        </p:blipFill>
+        <p:spPr>
+          <a:xfrm>
+            <a:off x="2447925" y="2714625"/>
+            <a:ext cx="7296150" cy="714375"/>
+          </a:xfrm>
+          <a:prstGeom prst="rect">
+            <a:avLst/>
+          </a:prstGeom>
+        </p:spPr>
+      </p:pic>
+      <p:sp>
+        <p:nvSpPr>
+          <p:cNvPr id="4" name="Tekstvak 3">
+            <a:extLst>
+              <a:ext uri="{FF2B5EF4-FFF2-40B4-BE49-F238E27FC236}">
+                <a16:creationId xmlns:a16="http://schemas.microsoft.com/office/drawing/2014/main" id="{040FAADA-0207-48C5-9E00-EFC72536D8C8}"/>
+              </a:ext>
+            </a:extLst>
+          </p:cNvPr>
+          <p:cNvSpPr txBox="1"/>
+          <p:nvPr/>
+        </p:nvSpPr>
+        <p:spPr>
+          <a:xfrm>
+            <a:off x="4290345" y="4099762"/>
+            <a:ext cx="3611310" cy="523220"/>
+          </a:xfrm>
+          <a:prstGeom prst="rect">
+            <a:avLst/>
+          </a:prstGeom>
+          <a:noFill/>
+        </p:spPr>
+        <p:txBody>
+          <a:bodyPr wrap="none" rtlCol="0">
+            <a:spAutoFit/>
+          </a:bodyPr>
+          <a:lstStyle/>
+          <a:p>
+            <a:r>
+              <a:rPr lang="en-US" sz="2800" dirty="0"/>
+              <a:t>What is in the variable?</a:t>
+            </a:r>
+          </a:p>
+        </p:txBody>
+      </p:sp>
+    </p:spTree>
+    <p:extLst>
+      <p:ext uri="{BB962C8B-B14F-4D97-AF65-F5344CB8AC3E}">
+        <p14:creationId xmlns:p14="http://schemas.microsoft.com/office/powerpoint/2010/main" val="3565709754"/>
+      </p:ext>
+    </p:extLst>
+  </p:cSld>
+  <p:clrMapOvr>
+    <a:masterClrMapping/>
+  </p:clrMapOvr>
+</p:sld>
+</file>
+
+<file path=ppt/slides/slide4.xml><?xml version="1.0" encoding="utf-8"?>
+<p:sld xmlns:a="http://schemas.openxmlformats.org/drawingml/2006/main" xmlns:r="http://schemas.openxmlformats.org/officeDocument/2006/relationships" xmlns:p="http://schemas.openxmlformats.org/presentationml/2006/main">
+  <p:cSld>
+    <p:spTree>
+      <p:nvGrpSpPr>
+        <p:cNvPr id="1" name=""/>
+        <p:cNvGrpSpPr/>
+        <p:nvPr/>
+      </p:nvGrpSpPr>
+      <p:grpSpPr>
+        <a:xfrm>
+          <a:off x="0" y="0"/>
+          <a:ext cx="0" cy="0"/>
+          <a:chOff x="0" y="0"/>
+          <a:chExt cx="0" cy="0"/>
+        </a:xfrm>
+      </p:grpSpPr>
+      <p:sp>
+        <p:nvSpPr>
+          <p:cNvPr id="2" name="Titel 1">
+            <a:extLst>
+              <a:ext uri="{FF2B5EF4-FFF2-40B4-BE49-F238E27FC236}">
+                <a16:creationId xmlns:a16="http://schemas.microsoft.com/office/drawing/2014/main" id="{1A5994EA-8A25-4ED1-A4BF-DCFE0592FDF9}"/>
+              </a:ext>
+            </a:extLst>
+          </p:cNvPr>
+          <p:cNvSpPr>
+            <a:spLocks noGrp="1"/>
+          </p:cNvSpPr>
+          <p:nvPr>
+            <p:ph type="title"/>
+          </p:nvPr>
+        </p:nvSpPr>
+        <p:spPr>
+          <a:xfrm>
+            <a:off x="838200" y="365125"/>
+            <a:ext cx="10515600" cy="1325563"/>
+          </a:xfrm>
+        </p:spPr>
+        <p:txBody>
+          <a:bodyPr/>
+          <a:lstStyle/>
+          <a:p>
+            <a:r>
+              <a:rPr lang="en-US" dirty="0">
+                <a:latin typeface="+mj-lt"/>
+              </a:rPr>
+              <a:t>Example</a:t>
+            </a:r>
+          </a:p>
+        </p:txBody>
+      </p:sp>
+      <p:pic>
+        <p:nvPicPr>
+          <p:cNvPr id="3" name="Afbeelding 2">
+            <a:extLst>
+              <a:ext uri="{FF2B5EF4-FFF2-40B4-BE49-F238E27FC236}">
+                <a16:creationId xmlns:a16="http://schemas.microsoft.com/office/drawing/2014/main" id="{D155A32A-5E0C-43FF-AB0E-A55456C7C327}"/>
+              </a:ext>
+            </a:extLst>
+          </p:cNvPr>
+          <p:cNvPicPr>
+            <a:picLocks noChangeAspect="1"/>
+          </p:cNvPicPr>
+          <p:nvPr/>
+        </p:nvPicPr>
+        <p:blipFill>
+          <a:blip r:embed="rId2"/>
+          <a:stretch>
+            <a:fillRect/>
+          </a:stretch>
+        </p:blipFill>
+        <p:spPr>
+          <a:xfrm>
+            <a:off x="2447925" y="2714625"/>
+            <a:ext cx="7296150" cy="714375"/>
+          </a:xfrm>
+          <a:prstGeom prst="rect">
+            <a:avLst/>
+          </a:prstGeom>
+        </p:spPr>
+      </p:pic>
+      <p:sp>
+        <p:nvSpPr>
+          <p:cNvPr id="4" name="Tekstvak 3">
+            <a:extLst>
+              <a:ext uri="{FF2B5EF4-FFF2-40B4-BE49-F238E27FC236}">
+                <a16:creationId xmlns:a16="http://schemas.microsoft.com/office/drawing/2014/main" id="{040FAADA-0207-48C5-9E00-EFC72536D8C8}"/>
+              </a:ext>
+            </a:extLst>
+          </p:cNvPr>
+          <p:cNvSpPr txBox="1"/>
+          <p:nvPr/>
+        </p:nvSpPr>
+        <p:spPr>
+          <a:xfrm>
+            <a:off x="3943455" y="4064251"/>
+            <a:ext cx="4305089" cy="954107"/>
+          </a:xfrm>
+          <a:prstGeom prst="rect">
+            <a:avLst/>
+          </a:prstGeom>
+          <a:noFill/>
+        </p:spPr>
+        <p:txBody>
+          <a:bodyPr wrap="none" rtlCol="0">
+            <a:spAutoFit/>
+          </a:bodyPr>
+          <a:lstStyle/>
+          <a:p>
+            <a:r>
+              <a:rPr lang="en-US" sz="2800" dirty="0"/>
+              <a:t>This is a Array of numbers. </a:t>
+            </a:r>
+          </a:p>
+          <a:p>
+            <a:r>
+              <a:rPr lang="en-US" sz="2800" dirty="0"/>
+              <a:t>variable has multiple values.</a:t>
+            </a:r>
+          </a:p>
+        </p:txBody>
+      </p:sp>
+    </p:spTree>
+    <p:extLst>
+      <p:ext uri="{BB962C8B-B14F-4D97-AF65-F5344CB8AC3E}">
+        <p14:creationId xmlns:p14="http://schemas.microsoft.com/office/powerpoint/2010/main" val="3159068797"/>
+      </p:ext>
+    </p:extLst>
+  </p:cSld>
+  <p:clrMapOvr>
+    <a:masterClrMapping/>
+  </p:clrMapOvr>
+</p:sld>
+</file>
+
+<file path=ppt/slides/slide5.xml><?xml version="1.0" encoding="utf-8"?>
+<p:sld xmlns:a="http://schemas.openxmlformats.org/drawingml/2006/main" xmlns:r="http://schemas.openxmlformats.org/officeDocument/2006/relationships" xmlns:p="http://schemas.openxmlformats.org/presentationml/2006/main">
+  <p:cSld>
+    <p:spTree>
+      <p:nvGrpSpPr>
+        <p:cNvPr id="1" name=""/>
+        <p:cNvGrpSpPr/>
+        <p:nvPr/>
+      </p:nvGrpSpPr>
+      <p:grpSpPr>
+        <a:xfrm>
+          <a:off x="0" y="0"/>
+          <a:ext cx="0" cy="0"/>
+          <a:chOff x="0" y="0"/>
+          <a:chExt cx="0" cy="0"/>
+        </a:xfrm>
+      </p:grpSpPr>
+      <p:sp>
+        <p:nvSpPr>
+          <p:cNvPr id="5" name="Titel 1">
+            <a:extLst>
+              <a:ext uri="{FF2B5EF4-FFF2-40B4-BE49-F238E27FC236}">
+                <a16:creationId xmlns:a16="http://schemas.microsoft.com/office/drawing/2014/main" id="{B64AA3E8-18E7-4C85-B5CB-094DACD16681}"/>
+              </a:ext>
+            </a:extLst>
+          </p:cNvPr>
+          <p:cNvSpPr>
+            <a:spLocks noGrp="1"/>
+          </p:cNvSpPr>
+          <p:nvPr>
+            <p:ph type="title"/>
+          </p:nvPr>
+        </p:nvSpPr>
+        <p:spPr>
+          <a:xfrm>
+            <a:off x="838200" y="365125"/>
+            <a:ext cx="10515600" cy="1325563"/>
+          </a:xfrm>
+        </p:spPr>
+        <p:txBody>
+          <a:bodyPr/>
+          <a:lstStyle/>
+          <a:p>
+            <a:r>
+              <a:rPr lang="en-US" dirty="0">
+                <a:latin typeface="+mj-lt"/>
+              </a:rPr>
+              <a:t>Example</a:t>
+            </a:r>
+          </a:p>
+        </p:txBody>
+      </p:sp>
+      <p:sp>
+        <p:nvSpPr>
+          <p:cNvPr id="6" name="Tekstvak 5">
+            <a:extLst>
+              <a:ext uri="{FF2B5EF4-FFF2-40B4-BE49-F238E27FC236}">
+                <a16:creationId xmlns:a16="http://schemas.microsoft.com/office/drawing/2014/main" id="{9A26E9BF-4BC2-4E74-A734-2D0E6BC60150}"/>
+              </a:ext>
+            </a:extLst>
+          </p:cNvPr>
+          <p:cNvSpPr txBox="1"/>
+          <p:nvPr/>
+        </p:nvSpPr>
+        <p:spPr>
+          <a:xfrm>
+            <a:off x="2252158" y="4244034"/>
+            <a:ext cx="7687682" cy="954107"/>
+          </a:xfrm>
+          <a:prstGeom prst="rect">
+            <a:avLst/>
+          </a:prstGeom>
+          <a:noFill/>
+        </p:spPr>
+        <p:txBody>
+          <a:bodyPr wrap="none" rtlCol="0">
+            <a:spAutoFit/>
+          </a:bodyPr>
+          <a:lstStyle/>
+          <a:p>
+            <a:r>
+              <a:rPr lang="en-US" sz="2800" dirty="0"/>
+              <a:t>1 is the first item of the array with the index of 0</a:t>
+            </a:r>
+          </a:p>
+          <a:p>
+            <a:r>
+              <a:rPr lang="en-US" sz="2800" dirty="0"/>
+              <a:t>2 is the second item of the array with the index of 1</a:t>
+            </a:r>
+          </a:p>
+        </p:txBody>
+      </p:sp>
+      <p:pic>
+        <p:nvPicPr>
+          <p:cNvPr id="7" name="Afbeelding 6">
+            <a:extLst>
+              <a:ext uri="{FF2B5EF4-FFF2-40B4-BE49-F238E27FC236}">
+                <a16:creationId xmlns:a16="http://schemas.microsoft.com/office/drawing/2014/main" id="{13B25ACE-4756-4171-9B2C-160EAA78D104}"/>
+              </a:ext>
+            </a:extLst>
+          </p:cNvPr>
+          <p:cNvPicPr>
+            <a:picLocks noChangeAspect="1"/>
+          </p:cNvPicPr>
+          <p:nvPr/>
+        </p:nvPicPr>
+        <p:blipFill>
+          <a:blip r:embed="rId2"/>
+          <a:stretch>
+            <a:fillRect/>
+          </a:stretch>
+        </p:blipFill>
+        <p:spPr>
+          <a:xfrm>
+            <a:off x="2452686" y="2266950"/>
+            <a:ext cx="7286625" cy="1162050"/>
+          </a:xfrm>
+          <a:prstGeom prst="rect">
+            <a:avLst/>
+          </a:prstGeom>
+        </p:spPr>
+      </p:pic>
+    </p:spTree>
+    <p:extLst>
+      <p:ext uri="{BB962C8B-B14F-4D97-AF65-F5344CB8AC3E}">
+        <p14:creationId xmlns:p14="http://schemas.microsoft.com/office/powerpoint/2010/main" val="1067544304"/>
+      </p:ext>
+    </p:extLst>
+  </p:cSld>
+  <p:clrMapOvr>
+    <a:masterClrMapping/>
+  </p:clrMapOvr>
+</p:sld>
+</file>
+
+<file path=ppt/slides/slide6.xml><?xml version="1.0" encoding="utf-8"?>
+<p:sld xmlns:a="http://schemas.openxmlformats.org/drawingml/2006/main" xmlns:r="http://schemas.openxmlformats.org/officeDocument/2006/relationships" xmlns:p="http://schemas.openxmlformats.org/presentationml/2006/main">
+  <p:cSld>
+    <p:spTree>
+      <p:nvGrpSpPr>
+        <p:cNvPr id="1" name=""/>
+        <p:cNvGrpSpPr/>
+        <p:nvPr/>
+      </p:nvGrpSpPr>
+      <p:grpSpPr>
+        <a:xfrm>
+          <a:off x="0" y="0"/>
+          <a:ext cx="0" cy="0"/>
+          <a:chOff x="0" y="0"/>
+          <a:chExt cx="0" cy="0"/>
+        </a:xfrm>
+      </p:grpSpPr>
+      <p:sp>
+        <p:nvSpPr>
+          <p:cNvPr id="5" name="Titel 1">
+            <a:extLst>
+              <a:ext uri="{FF2B5EF4-FFF2-40B4-BE49-F238E27FC236}">
+                <a16:creationId xmlns:a16="http://schemas.microsoft.com/office/drawing/2014/main" id="{B64AA3E8-18E7-4C85-B5CB-094DACD16681}"/>
+              </a:ext>
+            </a:extLst>
+          </p:cNvPr>
+          <p:cNvSpPr>
+            <a:spLocks noGrp="1"/>
+          </p:cNvSpPr>
+          <p:nvPr>
+            <p:ph type="title"/>
+          </p:nvPr>
+        </p:nvSpPr>
+        <p:spPr>
+          <a:xfrm>
+            <a:off x="838200" y="365125"/>
+            <a:ext cx="10515600" cy="1325563"/>
+          </a:xfrm>
+        </p:spPr>
+        <p:txBody>
+          <a:bodyPr/>
+          <a:lstStyle/>
+          <a:p>
+            <a:r>
+              <a:rPr lang="en-US" dirty="0">
+                <a:latin typeface="+mj-lt"/>
+              </a:rPr>
+              <a:t>Example</a:t>
+            </a:r>
+          </a:p>
+        </p:txBody>
+      </p:sp>
+      <p:sp>
+        <p:nvSpPr>
+          <p:cNvPr id="6" name="Tekstvak 5">
+            <a:extLst>
+              <a:ext uri="{FF2B5EF4-FFF2-40B4-BE49-F238E27FC236}">
+                <a16:creationId xmlns:a16="http://schemas.microsoft.com/office/drawing/2014/main" id="{9A26E9BF-4BC2-4E74-A734-2D0E6BC60150}"/>
+              </a:ext>
+            </a:extLst>
+          </p:cNvPr>
+          <p:cNvSpPr txBox="1"/>
+          <p:nvPr/>
+        </p:nvSpPr>
+        <p:spPr>
+          <a:xfrm>
+            <a:off x="3544756" y="4539317"/>
+            <a:ext cx="5102487" cy="523220"/>
+          </a:xfrm>
+          <a:prstGeom prst="rect">
+            <a:avLst/>
+          </a:prstGeom>
+          <a:noFill/>
+        </p:spPr>
+        <p:txBody>
+          <a:bodyPr wrap="none" rtlCol="0">
+            <a:spAutoFit/>
+          </a:bodyPr>
+          <a:lstStyle/>
+          <a:p>
+            <a:r>
+              <a:rPr lang="en-US" sz="2800" dirty="0"/>
+              <a:t>What will happen if we print this?</a:t>
+            </a:r>
+          </a:p>
+        </p:txBody>
+      </p:sp>
+      <p:pic>
+        <p:nvPicPr>
+          <p:cNvPr id="2" name="Afbeelding 1">
+            <a:extLst>
+              <a:ext uri="{FF2B5EF4-FFF2-40B4-BE49-F238E27FC236}">
+                <a16:creationId xmlns:a16="http://schemas.microsoft.com/office/drawing/2014/main" id="{2AEB398F-B251-4FFD-BEA2-41A206DC7380}"/>
+              </a:ext>
+            </a:extLst>
+          </p:cNvPr>
+          <p:cNvPicPr>
+            <a:picLocks noChangeAspect="1"/>
+          </p:cNvPicPr>
+          <p:nvPr/>
+        </p:nvPicPr>
+        <p:blipFill>
+          <a:blip r:embed="rId2"/>
+          <a:stretch>
+            <a:fillRect/>
+          </a:stretch>
+        </p:blipFill>
+        <p:spPr>
+          <a:xfrm>
+            <a:off x="2452686" y="2266950"/>
+            <a:ext cx="7324725" cy="2219325"/>
+          </a:xfrm>
+          <a:prstGeom prst="rect">
+            <a:avLst/>
+          </a:prstGeom>
+        </p:spPr>
+      </p:pic>
+    </p:spTree>
+    <p:extLst>
+      <p:ext uri="{BB962C8B-B14F-4D97-AF65-F5344CB8AC3E}">
+        <p14:creationId xmlns:p14="http://schemas.microsoft.com/office/powerpoint/2010/main" val="1130729432"/>
+      </p:ext>
+    </p:extLst>
+  </p:cSld>
+  <p:clrMapOvr>
+    <a:masterClrMapping/>
+  </p:clrMapOvr>
+</p:sld>
+</file>
+
+<file path=ppt/slides/slide7.xml><?xml version="1.0" encoding="utf-8"?>
+<p:sld xmlns:a="http://schemas.openxmlformats.org/drawingml/2006/main" xmlns:r="http://schemas.openxmlformats.org/officeDocument/2006/relationships" xmlns:p="http://schemas.openxmlformats.org/presentationml/2006/main">
+  <p:cSld>
+    <p:spTree>
+      <p:nvGrpSpPr>
+        <p:cNvPr id="1" name=""/>
+        <p:cNvGrpSpPr/>
+        <p:nvPr/>
+      </p:nvGrpSpPr>
+      <p:grpSpPr>
+        <a:xfrm>
+          <a:off x="0" y="0"/>
+          <a:ext cx="0" cy="0"/>
+          <a:chOff x="0" y="0"/>
+          <a:chExt cx="0" cy="0"/>
+        </a:xfrm>
+      </p:grpSpPr>
+      <p:sp>
+        <p:nvSpPr>
+          <p:cNvPr id="5" name="Titel 1">
+            <a:extLst>
+              <a:ext uri="{FF2B5EF4-FFF2-40B4-BE49-F238E27FC236}">
+                <a16:creationId xmlns:a16="http://schemas.microsoft.com/office/drawing/2014/main" id="{B64AA3E8-18E7-4C85-B5CB-094DACD16681}"/>
+              </a:ext>
+            </a:extLst>
+          </p:cNvPr>
+          <p:cNvSpPr>
+            <a:spLocks noGrp="1"/>
+          </p:cNvSpPr>
+          <p:nvPr>
+            <p:ph type="title"/>
+          </p:nvPr>
+        </p:nvSpPr>
+        <p:spPr>
+          <a:xfrm>
+            <a:off x="838200" y="365125"/>
+            <a:ext cx="10515600" cy="1325563"/>
+          </a:xfrm>
+        </p:spPr>
+        <p:txBody>
+          <a:bodyPr/>
+          <a:lstStyle/>
+          <a:p>
+            <a:r>
+              <a:rPr lang="en-US" dirty="0">
+                <a:latin typeface="+mj-lt"/>
+              </a:rPr>
+              <a:t>Example</a:t>
+            </a:r>
+          </a:p>
+        </p:txBody>
+      </p:sp>
+      <p:sp>
+        <p:nvSpPr>
+          <p:cNvPr id="6" name="Tekstvak 5">
+            <a:extLst>
+              <a:ext uri="{FF2B5EF4-FFF2-40B4-BE49-F238E27FC236}">
+                <a16:creationId xmlns:a16="http://schemas.microsoft.com/office/drawing/2014/main" id="{9A26E9BF-4BC2-4E74-A734-2D0E6BC60150}"/>
+              </a:ext>
+            </a:extLst>
+          </p:cNvPr>
+          <p:cNvSpPr txBox="1"/>
+          <p:nvPr/>
+        </p:nvSpPr>
+        <p:spPr>
+          <a:xfrm>
+            <a:off x="3997188" y="4503807"/>
+            <a:ext cx="4197624" cy="523220"/>
+          </a:xfrm>
+          <a:prstGeom prst="rect">
+            <a:avLst/>
+          </a:prstGeom>
+          <a:noFill/>
+        </p:spPr>
+        <p:txBody>
+          <a:bodyPr wrap="none" rtlCol="0">
+            <a:spAutoFit/>
+          </a:bodyPr>
+          <a:lstStyle/>
+          <a:p>
+            <a:r>
+              <a:rPr lang="en-US" sz="2800" dirty="0"/>
+              <a:t>It will print the whole array</a:t>
+            </a:r>
+          </a:p>
+        </p:txBody>
+      </p:sp>
+      <p:pic>
+        <p:nvPicPr>
+          <p:cNvPr id="3" name="Afbeelding 2">
+            <a:extLst>
+              <a:ext uri="{FF2B5EF4-FFF2-40B4-BE49-F238E27FC236}">
+                <a16:creationId xmlns:a16="http://schemas.microsoft.com/office/drawing/2014/main" id="{0BB4EBE4-2898-4DAD-BA33-58E374AEE2A8}"/>
+              </a:ext>
+            </a:extLst>
+          </p:cNvPr>
+          <p:cNvPicPr>
+            <a:picLocks noChangeAspect="1"/>
+          </p:cNvPicPr>
+          <p:nvPr/>
+        </p:nvPicPr>
+        <p:blipFill>
+          <a:blip r:embed="rId2"/>
+          <a:stretch>
+            <a:fillRect/>
+          </a:stretch>
+        </p:blipFill>
+        <p:spPr>
+          <a:xfrm>
+            <a:off x="2295525" y="2595562"/>
+            <a:ext cx="7600950" cy="1666875"/>
+          </a:xfrm>
+          <a:prstGeom prst="rect">
+            <a:avLst/>
+          </a:prstGeom>
+        </p:spPr>
+      </p:pic>
+    </p:spTree>
+    <p:extLst>
+      <p:ext uri="{BB962C8B-B14F-4D97-AF65-F5344CB8AC3E}">
+        <p14:creationId xmlns:p14="http://schemas.microsoft.com/office/powerpoint/2010/main" val="4253179232"/>
+      </p:ext>
+    </p:extLst>
+  </p:cSld>
+  <p:clrMapOvr>
+    <a:masterClrMapping/>
+  </p:clrMapOvr>
+</p:sld>
+</file>
+
+<file path=ppt/slides/slide8.xml><?xml version="1.0" encoding="utf-8"?>
+<p:sld xmlns:a="http://schemas.openxmlformats.org/drawingml/2006/main" xmlns:r="http://schemas.openxmlformats.org/officeDocument/2006/relationships" xmlns:p="http://schemas.openxmlformats.org/presentationml/2006/main">
+  <p:cSld>
+    <p:spTree>
+      <p:nvGrpSpPr>
+        <p:cNvPr id="1" name=""/>
+        <p:cNvGrpSpPr/>
+        <p:nvPr/>
+      </p:nvGrpSpPr>
+      <p:grpSpPr>
+        <a:xfrm>
+          <a:off x="0" y="0"/>
+          <a:ext cx="0" cy="0"/>
+          <a:chOff x="0" y="0"/>
+          <a:chExt cx="0" cy="0"/>
+        </a:xfrm>
+      </p:grpSpPr>
+      <p:sp>
+        <p:nvSpPr>
+          <p:cNvPr id="5" name="Titel 1">
+            <a:extLst>
+              <a:ext uri="{FF2B5EF4-FFF2-40B4-BE49-F238E27FC236}">
+                <a16:creationId xmlns:a16="http://schemas.microsoft.com/office/drawing/2014/main" id="{B64AA3E8-18E7-4C85-B5CB-094DACD16681}"/>
+              </a:ext>
+            </a:extLst>
+          </p:cNvPr>
+          <p:cNvSpPr>
+            <a:spLocks noGrp="1"/>
+          </p:cNvSpPr>
+          <p:nvPr>
+            <p:ph type="title"/>
+          </p:nvPr>
+        </p:nvSpPr>
+        <p:spPr>
+          <a:xfrm>
+            <a:off x="838200" y="365125"/>
+            <a:ext cx="10515600" cy="1325563"/>
+          </a:xfrm>
+        </p:spPr>
+        <p:txBody>
+          <a:bodyPr/>
+          <a:lstStyle/>
+          <a:p>
+            <a:r>
+              <a:rPr lang="en-US" dirty="0">
+                <a:latin typeface="+mj-lt"/>
+              </a:rPr>
+              <a:t>Example</a:t>
+            </a:r>
+          </a:p>
+        </p:txBody>
+      </p:sp>
+      <p:sp>
+        <p:nvSpPr>
+          <p:cNvPr id="6" name="Tekstvak 5">
+            <a:extLst>
+              <a:ext uri="{FF2B5EF4-FFF2-40B4-BE49-F238E27FC236}">
+                <a16:creationId xmlns:a16="http://schemas.microsoft.com/office/drawing/2014/main" id="{9A26E9BF-4BC2-4E74-A734-2D0E6BC60150}"/>
+              </a:ext>
+            </a:extLst>
+          </p:cNvPr>
+          <p:cNvSpPr txBox="1"/>
+          <p:nvPr/>
+        </p:nvSpPr>
+        <p:spPr>
+          <a:xfrm>
+            <a:off x="3544756" y="4539317"/>
+            <a:ext cx="5102487" cy="523220"/>
+          </a:xfrm>
+          <a:prstGeom prst="rect">
+            <a:avLst/>
+          </a:prstGeom>
+          <a:noFill/>
+        </p:spPr>
+        <p:txBody>
+          <a:bodyPr wrap="none" rtlCol="0">
+            <a:spAutoFit/>
+          </a:bodyPr>
+          <a:lstStyle/>
+          <a:p>
+            <a:r>
+              <a:rPr lang="en-US" sz="2800" dirty="0"/>
+              <a:t>What will happen if we print this?</a:t>
+            </a:r>
+          </a:p>
+        </p:txBody>
+      </p:sp>
+      <p:pic>
+        <p:nvPicPr>
+          <p:cNvPr id="2" name="Afbeelding 1">
+            <a:extLst>
+              <a:ext uri="{FF2B5EF4-FFF2-40B4-BE49-F238E27FC236}">
+                <a16:creationId xmlns:a16="http://schemas.microsoft.com/office/drawing/2014/main" id="{2AEB398F-B251-4FFD-BEA2-41A206DC7380}"/>
+              </a:ext>
+            </a:extLst>
+          </p:cNvPr>
+          <p:cNvPicPr>
+            <a:picLocks noChangeAspect="1"/>
+          </p:cNvPicPr>
+          <p:nvPr/>
+        </p:nvPicPr>
+        <p:blipFill>
+          <a:blip r:embed="rId2"/>
+          <a:stretch>
+            <a:fillRect/>
+          </a:stretch>
+        </p:blipFill>
+        <p:spPr>
+          <a:xfrm>
+            <a:off x="2452686" y="2266950"/>
+            <a:ext cx="7324725" cy="2219325"/>
+          </a:xfrm>
+          <a:prstGeom prst="rect">
+            <a:avLst/>
+          </a:prstGeom>
+        </p:spPr>
+      </p:pic>
+      <p:pic>
+        <p:nvPicPr>
+          <p:cNvPr id="3" name="Afbeelding 2">
+            <a:extLst>
+              <a:ext uri="{FF2B5EF4-FFF2-40B4-BE49-F238E27FC236}">
+                <a16:creationId xmlns:a16="http://schemas.microsoft.com/office/drawing/2014/main" id="{18F2F5FD-DC21-4A61-AB02-DA531E09E333}"/>
+              </a:ext>
+            </a:extLst>
+          </p:cNvPr>
+          <p:cNvPicPr>
+            <a:picLocks noChangeAspect="1"/>
+          </p:cNvPicPr>
+          <p:nvPr/>
+        </p:nvPicPr>
+        <p:blipFill>
+          <a:blip r:embed="rId3"/>
+          <a:stretch>
+            <a:fillRect/>
+          </a:stretch>
+        </p:blipFill>
+        <p:spPr>
+          <a:xfrm>
+            <a:off x="2376487" y="2290762"/>
+            <a:ext cx="7439025" cy="2276475"/>
+          </a:xfrm>
+          <a:prstGeom prst="rect">
+            <a:avLst/>
+          </a:prstGeom>
+        </p:spPr>
+      </p:pic>
+    </p:spTree>
+    <p:extLst>
+      <p:ext uri="{BB962C8B-B14F-4D97-AF65-F5344CB8AC3E}">
+        <p14:creationId xmlns:p14="http://schemas.microsoft.com/office/powerpoint/2010/main" val="1384245503"/>
+      </p:ext>
+    </p:extLst>
+  </p:cSld>
+  <p:clrMapOvr>
+    <a:masterClrMapping/>
+  </p:clrMapOvr>
+</p:sld>
+</file>
+
+<file path=ppt/slides/slide9.xml><?xml version="1.0" encoding="utf-8"?>
+<p:sld xmlns:a="http://schemas.openxmlformats.org/drawingml/2006/main" xmlns:r="http://schemas.openxmlformats.org/officeDocument/2006/relationships" xmlns:p="http://schemas.openxmlformats.org/presentationml/2006/main">
+  <p:cSld>
+    <p:spTree>
+      <p:nvGrpSpPr>
+        <p:cNvPr id="1" name=""/>
+        <p:cNvGrpSpPr/>
+        <p:nvPr/>
+      </p:nvGrpSpPr>
+      <p:grpSpPr>
+        <a:xfrm>
+          <a:off x="0" y="0"/>
+          <a:ext cx="0" cy="0"/>
+          <a:chOff x="0" y="0"/>
+          <a:chExt cx="0" cy="0"/>
+        </a:xfrm>
+      </p:grpSpPr>
+      <p:sp>
+        <p:nvSpPr>
+          <p:cNvPr id="5" name="Titel 1">
+            <a:extLst>
+              <a:ext uri="{FF2B5EF4-FFF2-40B4-BE49-F238E27FC236}">
+                <a16:creationId xmlns:a16="http://schemas.microsoft.com/office/drawing/2014/main" id="{B64AA3E8-18E7-4C85-B5CB-094DACD16681}"/>
+              </a:ext>
+            </a:extLst>
+          </p:cNvPr>
+          <p:cNvSpPr>
+            <a:spLocks noGrp="1"/>
+          </p:cNvSpPr>
+          <p:nvPr>
+            <p:ph type="title"/>
+          </p:nvPr>
+        </p:nvSpPr>
+        <p:spPr>
+          <a:xfrm>
+            <a:off x="838200" y="365125"/>
+            <a:ext cx="10515600" cy="1325563"/>
+          </a:xfrm>
+        </p:spPr>
+        <p:txBody>
+          <a:bodyPr/>
+          <a:lstStyle/>
+          <a:p>
+            <a:r>
+              <a:rPr lang="en-US" dirty="0">
+                <a:latin typeface="+mj-lt"/>
+              </a:rPr>
+              <a:t>Example</a:t>
+            </a:r>
+          </a:p>
+        </p:txBody>
+      </p:sp>
+      <p:pic>
+        <p:nvPicPr>
+          <p:cNvPr id="2" name="Afbeelding 1">
+            <a:extLst>
+              <a:ext uri="{FF2B5EF4-FFF2-40B4-BE49-F238E27FC236}">
+                <a16:creationId xmlns:a16="http://schemas.microsoft.com/office/drawing/2014/main" id="{2AEB398F-B251-4FFD-BEA2-41A206DC7380}"/>
+              </a:ext>
+            </a:extLst>
+          </p:cNvPr>
+          <p:cNvPicPr>
+            <a:picLocks noChangeAspect="1"/>
+          </p:cNvPicPr>
+          <p:nvPr/>
+        </p:nvPicPr>
+        <p:blipFill>
+          <a:blip r:embed="rId2"/>
+          <a:stretch>
+            <a:fillRect/>
+          </a:stretch>
+        </p:blipFill>
+        <p:spPr>
+          <a:xfrm>
+            <a:off x="2452686" y="2266950"/>
+            <a:ext cx="7324725" cy="2219325"/>
+          </a:xfrm>
+          <a:prstGeom prst="rect">
+            <a:avLst/>
+          </a:prstGeom>
+        </p:spPr>
+      </p:pic>
+      <p:pic>
+        <p:nvPicPr>
+          <p:cNvPr id="3" name="Afbeelding 2">
+            <a:extLst>
+              <a:ext uri="{FF2B5EF4-FFF2-40B4-BE49-F238E27FC236}">
+                <a16:creationId xmlns:a16="http://schemas.microsoft.com/office/drawing/2014/main" id="{18F2F5FD-DC21-4A61-AB02-DA531E09E333}"/>
+              </a:ext>
+            </a:extLst>
+          </p:cNvPr>
+          <p:cNvPicPr>
+            <a:picLocks noChangeAspect="1"/>
+          </p:cNvPicPr>
+          <p:nvPr/>
+        </p:nvPicPr>
+        <p:blipFill>
+          <a:blip r:embed="rId3"/>
+          <a:stretch>
+            <a:fillRect/>
+          </a:stretch>
+        </p:blipFill>
+        <p:spPr>
+          <a:xfrm>
+            <a:off x="2452686" y="2236321"/>
+            <a:ext cx="7439025" cy="2276475"/>
+          </a:xfrm>
+          <a:prstGeom prst="rect">
+            <a:avLst/>
+          </a:prstGeom>
+        </p:spPr>
+      </p:pic>
+      <p:pic>
+        <p:nvPicPr>
+          <p:cNvPr id="4" name="Afbeelding 3">
+            <a:extLst>
+              <a:ext uri="{FF2B5EF4-FFF2-40B4-BE49-F238E27FC236}">
+                <a16:creationId xmlns:a16="http://schemas.microsoft.com/office/drawing/2014/main" id="{638E841F-F629-45CE-B34F-D6C542D09075}"/>
+              </a:ext>
+            </a:extLst>
+          </p:cNvPr>
+          <p:cNvPicPr>
+            <a:picLocks noChangeAspect="1"/>
+          </p:cNvPicPr>
+          <p:nvPr/>
+        </p:nvPicPr>
+        <p:blipFill>
+          <a:blip r:embed="rId4"/>
+          <a:stretch>
+            <a:fillRect/>
+          </a:stretch>
+        </p:blipFill>
+        <p:spPr>
+          <a:xfrm>
+            <a:off x="3981450" y="4543425"/>
+            <a:ext cx="4229100" cy="1571625"/>
+          </a:xfrm>
+          <a:prstGeom prst="rect">
+            <a:avLst/>
+          </a:prstGeom>
+        </p:spPr>
+      </p:pic>
+    </p:spTree>
+    <p:extLst>
+      <p:ext uri="{BB962C8B-B14F-4D97-AF65-F5344CB8AC3E}">
+        <p14:creationId xmlns:p14="http://schemas.microsoft.com/office/powerpoint/2010/main" val="1803253857"/>
       </p:ext>
     </p:extLst>
   </p:cSld>
